--- a/presentation/NearestStationPresentation.pptx
+++ b/presentation/NearestStationPresentation.pptx
@@ -5,17 +5,18 @@
     <p:sldMasterId id="2147483648" r:id="rId4"/>
   </p:sldMasterIdLst>
   <p:notesMasterIdLst>
-    <p:notesMasterId r:id="rId10"/>
+    <p:notesMasterId r:id="rId11"/>
   </p:notesMasterIdLst>
   <p:handoutMasterIdLst>
-    <p:handoutMasterId r:id="rId11"/>
+    <p:handoutMasterId r:id="rId12"/>
   </p:handoutMasterIdLst>
   <p:sldIdLst>
-    <p:sldId id="256" r:id="rId5"/>
+    <p:sldId id="280" r:id="rId5"/>
     <p:sldId id="265" r:id="rId6"/>
-    <p:sldId id="266" r:id="rId7"/>
-    <p:sldId id="276" r:id="rId8"/>
-    <p:sldId id="277" r:id="rId9"/>
+    <p:sldId id="278" r:id="rId7"/>
+    <p:sldId id="277" r:id="rId8"/>
+    <p:sldId id="279" r:id="rId9"/>
+    <p:sldId id="276" r:id="rId10"/>
   </p:sldIdLst>
   <p:sldSz cx="12192000" cy="6858000"/>
   <p:notesSz cx="6858000" cy="9144000"/>
@@ -220,7 +221,7 @@
             <a:pPr algn="r" rtl="0"/>
             <a:fld id="{85FB9A08-40BC-47B5-8130-616BDCF09507}" type="datetime1">
               <a:rPr lang="fr-FR" smtClean="0"/>
-              <a:t>10/01/2021</a:t>
+              <a:t>11/01/2021</a:t>
             </a:fld>
             <a:endParaRPr lang="fr-FR" dirty="0"/>
           </a:p>
@@ -390,7 +391,7 @@
             <a:fld id="{082B9BC8-1895-4EB7-B2E1-D3911C69AD0C}" type="datetime1">
               <a:rPr lang="fr-FR" smtClean="0"/>
               <a:pPr/>
-              <a:t>10/01/2021</a:t>
+              <a:t>11/01/2021</a:t>
             </a:fld>
             <a:endParaRPr lang="fr-FR" dirty="0"/>
           </a:p>
@@ -822,10 +823,9 @@
           <a:p>
             <a:pPr rtl="0"/>
             <a:r>
-              <a:rPr lang="fr-FR" noProof="0"/>
+              <a:rPr lang="fr-FR" noProof="0" dirty="0"/>
               <a:t>Modifiez le style du titre</a:t>
             </a:r>
-            <a:endParaRPr lang="fr-FR" noProof="0" dirty="0"/>
           </a:p>
         </p:txBody>
       </p:sp>
@@ -1033,7 +1033,7 @@
             <a:fld id="{B0AE1499-D871-4B5A-815F-37F8E0C46F8C}" type="datetime1">
               <a:rPr lang="fr-FR" smtClean="0"/>
               <a:pPr/>
-              <a:t>10/01/2021</a:t>
+              <a:t>11/01/2021</a:t>
             </a:fld>
             <a:endParaRPr lang="fr-FR" dirty="0"/>
           </a:p>
@@ -1225,7 +1225,7 @@
             <a:fld id="{7CFD53AE-A1A9-4971-B817-D6F393C7FE35}" type="datetime1">
               <a:rPr lang="fr-FR" smtClean="0"/>
               <a:pPr/>
-              <a:t>10/01/2021</a:t>
+              <a:t>11/01/2021</a:t>
             </a:fld>
             <a:endParaRPr lang="fr-FR" dirty="0"/>
           </a:p>
@@ -1411,7 +1411,7 @@
             <a:fld id="{B4EA85BC-BD2B-458E-8340-8D31B4F152AE}" type="datetime1">
               <a:rPr lang="fr-FR" smtClean="0"/>
               <a:pPr/>
-              <a:t>10/01/2021</a:t>
+              <a:t>11/01/2021</a:t>
             </a:fld>
             <a:endParaRPr lang="fr-FR" dirty="0"/>
           </a:p>
@@ -1859,7 +1859,7 @@
             <a:fld id="{2C9DB741-A3C2-4C75-A4D1-97F129BE9491}" type="datetime1">
               <a:rPr lang="fr-FR" smtClean="0"/>
               <a:pPr/>
-              <a:t>10/01/2021</a:t>
+              <a:t>11/01/2021</a:t>
             </a:fld>
             <a:endParaRPr lang="fr-FR" dirty="0"/>
           </a:p>
@@ -2311,7 +2311,7 @@
             <a:fld id="{11B59C61-65A8-4FB6-8060-9ACE25B631CB}" type="datetime1">
               <a:rPr lang="fr-FR" noProof="0" smtClean="0"/>
               <a:pPr/>
-              <a:t>10/01/2021</a:t>
+              <a:t>11/01/2021</a:t>
             </a:fld>
             <a:endParaRPr lang="fr-FR" noProof="0" dirty="0"/>
           </a:p>
@@ -2441,7 +2441,7 @@
             <a:fld id="{B19C7B91-9FE1-44A2-8FAA-E998ADCC26EE}" type="datetime1">
               <a:rPr lang="fr-FR" smtClean="0"/>
               <a:pPr/>
-              <a:t>10/01/2021</a:t>
+              <a:t>11/01/2021</a:t>
             </a:fld>
             <a:endParaRPr lang="fr-FR" dirty="0"/>
           </a:p>
@@ -2547,7 +2547,7 @@
             <a:fld id="{24294901-3B67-4101-8D94-E7F6C7A7004D}" type="datetime1">
               <a:rPr lang="fr-FR" smtClean="0"/>
               <a:pPr/>
-              <a:t>10/01/2021</a:t>
+              <a:t>11/01/2021</a:t>
             </a:fld>
             <a:endParaRPr lang="fr-FR" dirty="0"/>
           </a:p>
@@ -2843,7 +2843,7 @@
             <a:fld id="{36311718-BEC8-4DB8-9B0A-52986EABC5C9}" type="datetime1">
               <a:rPr lang="fr-FR" smtClean="0"/>
               <a:pPr/>
-              <a:t>10/01/2021</a:t>
+              <a:t>11/01/2021</a:t>
             </a:fld>
             <a:endParaRPr lang="fr-FR" dirty="0"/>
           </a:p>
@@ -3169,7 +3169,7 @@
             <a:fld id="{E883871E-5D80-4EDF-9E01-94E184402302}" type="datetime1">
               <a:rPr lang="fr-FR" smtClean="0"/>
               <a:pPr/>
-              <a:t>10/01/2021</a:t>
+              <a:t>11/01/2021</a:t>
             </a:fld>
             <a:endParaRPr lang="fr-FR" dirty="0"/>
           </a:p>
@@ -3388,7 +3388,7 @@
             <a:fld id="{A9F01D7A-F2CA-4D89-BC48-D8C829AA64E1}" type="datetime1">
               <a:rPr lang="fr-FR" smtClean="0"/>
               <a:pPr/>
-              <a:t>10/01/2021</a:t>
+              <a:t>11/01/2021</a:t>
             </a:fld>
             <a:endParaRPr lang="fr-FR" dirty="0"/>
           </a:p>
@@ -3849,24 +3849,89 @@
           <a:chExt cx="0" cy="0"/>
         </a:xfrm>
       </p:grpSpPr>
-      <p:sp>
-        <p:nvSpPr>
-          <p:cNvPr id="2" name="Titre 1"/>
-          <p:cNvSpPr>
-            <a:spLocks noGrp="1"/>
-          </p:cNvSpPr>
-          <p:nvPr>
-            <p:ph type="ctrTitle"/>
-          </p:nvPr>
-        </p:nvSpPr>
-        <p:spPr/>
-        <p:txBody>
-          <a:bodyPr rtlCol="0"/>
-          <a:lstStyle/>
-          <a:p>
-            <a:pPr rtl="0"/>
-            <a:r>
-              <a:rPr lang="fr-FR" dirty="0"/>
+      <p:pic>
+        <p:nvPicPr>
+          <p:cNvPr id="5" name="Espace réservé du contenu 4">
+            <a:extLst>
+              <a:ext uri="{FF2B5EF4-FFF2-40B4-BE49-F238E27FC236}">
+                <a16:creationId xmlns:a16="http://schemas.microsoft.com/office/drawing/2014/main" id="{71239C64-E973-4D95-9A83-8E2E8CB27118}"/>
+              </a:ext>
+            </a:extLst>
+          </p:cNvPr>
+          <p:cNvPicPr>
+            <a:picLocks noGrp="1" noChangeAspect="1"/>
+          </p:cNvPicPr>
+          <p:nvPr>
+            <p:ph idx="1"/>
+          </p:nvPr>
+        </p:nvPicPr>
+        <p:blipFill rotWithShape="1">
+          <a:blip r:embed="rId2">
+            <a:extLst>
+              <a:ext uri="{28A0092B-C50C-407E-A947-70E740481C1C}">
+                <a14:useLocalDpi xmlns:a14="http://schemas.microsoft.com/office/drawing/2010/main" val="0"/>
+              </a:ext>
+            </a:extLst>
+          </a:blip>
+          <a:srcRect r="22624"/>
+          <a:stretch/>
+        </p:blipFill>
+        <p:spPr>
+          <a:xfrm>
+            <a:off x="6124615" y="188640"/>
+            <a:ext cx="5256584" cy="4267200"/>
+          </a:xfrm>
+        </p:spPr>
+      </p:pic>
+      <p:sp>
+        <p:nvSpPr>
+          <p:cNvPr id="6" name="Titre 1">
+            <a:extLst>
+              <a:ext uri="{FF2B5EF4-FFF2-40B4-BE49-F238E27FC236}">
+                <a16:creationId xmlns:a16="http://schemas.microsoft.com/office/drawing/2014/main" id="{EFBC344B-BC45-4B80-BBE8-C1E47538CD33}"/>
+              </a:ext>
+            </a:extLst>
+          </p:cNvPr>
+          <p:cNvSpPr txBox="1">
+            <a:spLocks/>
+          </p:cNvSpPr>
+          <p:nvPr/>
+        </p:nvSpPr>
+        <p:spPr>
+          <a:xfrm>
+            <a:off x="1066800" y="3165763"/>
+            <a:ext cx="10058400" cy="1711037"/>
+          </a:xfrm>
+          <a:prstGeom prst="rect">
+            <a:avLst/>
+          </a:prstGeom>
+        </p:spPr>
+        <p:txBody>
+          <a:bodyPr vert="horz" lIns="91440" tIns="45720" rIns="91440" bIns="45720" rtlCol="0" anchor="b">
+            <a:normAutofit/>
+          </a:bodyPr>
+          <a:lstStyle>
+            <a:lvl1pPr algn="l" defTabSz="914400" rtl="0" eaLnBrk="1" latinLnBrk="0" hangingPunct="1">
+              <a:lnSpc>
+                <a:spcPct val="90000"/>
+              </a:lnSpc>
+              <a:spcBef>
+                <a:spcPct val="0"/>
+              </a:spcBef>
+              <a:buNone/>
+              <a:defRPr sz="3400" kern="1200">
+                <a:solidFill>
+                  <a:schemeClr val="accent1"/>
+                </a:solidFill>
+                <a:latin typeface="+mj-lt"/>
+                <a:ea typeface="+mj-ea"/>
+                <a:cs typeface="+mj-cs"/>
+              </a:defRPr>
+            </a:lvl1pPr>
+          </a:lstStyle>
+          <a:p>
+            <a:r>
+              <a:rPr lang="fr-FR" sz="6000" dirty="0"/>
               <a:t>NearestStation</a:t>
             </a:r>
           </a:p>
@@ -3874,20 +3939,236 @@
       </p:sp>
       <p:sp>
         <p:nvSpPr>
-          <p:cNvPr id="3" name="Sous-titre 2"/>
-          <p:cNvSpPr>
-            <a:spLocks noGrp="1"/>
-          </p:cNvSpPr>
-          <p:nvPr>
-            <p:ph type="subTitle" idx="1"/>
-          </p:nvPr>
-        </p:nvSpPr>
-        <p:spPr/>
-        <p:txBody>
-          <a:bodyPr rtlCol="0"/>
-          <a:lstStyle/>
-          <a:p>
-            <a:pPr rtl="0"/>
+          <p:cNvPr id="7" name="Sous-titre 2">
+            <a:extLst>
+              <a:ext uri="{FF2B5EF4-FFF2-40B4-BE49-F238E27FC236}">
+                <a16:creationId xmlns:a16="http://schemas.microsoft.com/office/drawing/2014/main" id="{9C399819-38C7-414A-9F49-3055FC3E3E63}"/>
+              </a:ext>
+            </a:extLst>
+          </p:cNvPr>
+          <p:cNvSpPr txBox="1">
+            <a:spLocks/>
+          </p:cNvSpPr>
+          <p:nvPr/>
+        </p:nvSpPr>
+        <p:spPr>
+          <a:xfrm>
+            <a:off x="1066800" y="4953000"/>
+            <a:ext cx="10058400" cy="685800"/>
+          </a:xfrm>
+          <a:prstGeom prst="rect">
+            <a:avLst/>
+          </a:prstGeom>
+        </p:spPr>
+        <p:txBody>
+          <a:bodyPr vert="horz" lIns="91440" tIns="45720" rIns="91440" bIns="45720" rtlCol="0">
+            <a:normAutofit fontScale="77500" lnSpcReduction="20000"/>
+          </a:bodyPr>
+          <a:lstStyle>
+            <a:lvl1pPr marL="228600" indent="-228600" algn="l" defTabSz="914400" rtl="0" eaLnBrk="1" latinLnBrk="0" hangingPunct="1">
+              <a:lnSpc>
+                <a:spcPct val="90000"/>
+              </a:lnSpc>
+              <a:spcBef>
+                <a:spcPts val="1800"/>
+              </a:spcBef>
+              <a:buClr>
+                <a:schemeClr val="accent1"/>
+              </a:buClr>
+              <a:buFont typeface="Arial" pitchFamily="34" charset="0"/>
+              <a:buChar char="•"/>
+              <a:defRPr sz="2000" kern="1200">
+                <a:solidFill>
+                  <a:schemeClr val="tx1">
+                    <a:lumMod val="85000"/>
+                  </a:schemeClr>
+                </a:solidFill>
+                <a:latin typeface="+mn-lt"/>
+                <a:ea typeface="+mn-ea"/>
+                <a:cs typeface="+mn-cs"/>
+              </a:defRPr>
+            </a:lvl1pPr>
+            <a:lvl2pPr marL="594360" indent="-228600" algn="l" defTabSz="914400" rtl="0" eaLnBrk="1" latinLnBrk="0" hangingPunct="1">
+              <a:lnSpc>
+                <a:spcPct val="90000"/>
+              </a:lnSpc>
+              <a:spcBef>
+                <a:spcPts val="1000"/>
+              </a:spcBef>
+              <a:buClr>
+                <a:schemeClr val="accent1"/>
+              </a:buClr>
+              <a:buFont typeface="Arial" pitchFamily="34" charset="0"/>
+              <a:buChar char="•"/>
+              <a:defRPr sz="1800" kern="1200">
+                <a:solidFill>
+                  <a:schemeClr val="tx1">
+                    <a:lumMod val="85000"/>
+                  </a:schemeClr>
+                </a:solidFill>
+                <a:latin typeface="+mn-lt"/>
+                <a:ea typeface="+mn-ea"/>
+                <a:cs typeface="+mn-cs"/>
+              </a:defRPr>
+            </a:lvl2pPr>
+            <a:lvl3pPr marL="914400" indent="-228600" algn="l" defTabSz="914400" rtl="0" eaLnBrk="1" latinLnBrk="0" hangingPunct="1">
+              <a:lnSpc>
+                <a:spcPct val="90000"/>
+              </a:lnSpc>
+              <a:spcBef>
+                <a:spcPts val="800"/>
+              </a:spcBef>
+              <a:buClr>
+                <a:schemeClr val="accent1"/>
+              </a:buClr>
+              <a:buFont typeface="Arial" pitchFamily="34" charset="0"/>
+              <a:buChar char="•"/>
+              <a:defRPr sz="1600" kern="1200">
+                <a:solidFill>
+                  <a:schemeClr val="tx1">
+                    <a:lumMod val="85000"/>
+                  </a:schemeClr>
+                </a:solidFill>
+                <a:latin typeface="+mn-lt"/>
+                <a:ea typeface="+mn-ea"/>
+                <a:cs typeface="+mn-cs"/>
+              </a:defRPr>
+            </a:lvl3pPr>
+            <a:lvl4pPr marL="1234440" indent="-228600" algn="l" defTabSz="914400" rtl="0" eaLnBrk="1" latinLnBrk="0" hangingPunct="1">
+              <a:lnSpc>
+                <a:spcPct val="90000"/>
+              </a:lnSpc>
+              <a:spcBef>
+                <a:spcPts val="800"/>
+              </a:spcBef>
+              <a:buClr>
+                <a:schemeClr val="accent1"/>
+              </a:buClr>
+              <a:buFont typeface="Arial" pitchFamily="34" charset="0"/>
+              <a:buChar char="•"/>
+              <a:defRPr sz="1400" kern="1200">
+                <a:solidFill>
+                  <a:schemeClr val="tx1">
+                    <a:lumMod val="85000"/>
+                  </a:schemeClr>
+                </a:solidFill>
+                <a:latin typeface="+mn-lt"/>
+                <a:ea typeface="+mn-ea"/>
+                <a:cs typeface="+mn-cs"/>
+              </a:defRPr>
+            </a:lvl4pPr>
+            <a:lvl5pPr marL="1508760" indent="-228600" algn="l" defTabSz="914400" rtl="0" eaLnBrk="1" latinLnBrk="0" hangingPunct="1">
+              <a:lnSpc>
+                <a:spcPct val="90000"/>
+              </a:lnSpc>
+              <a:spcBef>
+                <a:spcPts val="800"/>
+              </a:spcBef>
+              <a:buClr>
+                <a:schemeClr val="accent1"/>
+              </a:buClr>
+              <a:buFont typeface="Arial" pitchFamily="34" charset="0"/>
+              <a:buChar char="•"/>
+              <a:defRPr sz="1400" kern="1200">
+                <a:solidFill>
+                  <a:schemeClr val="tx1">
+                    <a:lumMod val="85000"/>
+                  </a:schemeClr>
+                </a:solidFill>
+                <a:latin typeface="+mn-lt"/>
+                <a:ea typeface="+mn-ea"/>
+                <a:cs typeface="+mn-cs"/>
+              </a:defRPr>
+            </a:lvl5pPr>
+            <a:lvl6pPr marL="1783080" indent="-228600" algn="l" defTabSz="914400" rtl="0" eaLnBrk="1" latinLnBrk="0" hangingPunct="1">
+              <a:lnSpc>
+                <a:spcPct val="90000"/>
+              </a:lnSpc>
+              <a:spcBef>
+                <a:spcPts val="800"/>
+              </a:spcBef>
+              <a:buClr>
+                <a:schemeClr val="accent1"/>
+              </a:buClr>
+              <a:buFont typeface="Arial" pitchFamily="34" charset="0"/>
+              <a:buChar char="•"/>
+              <a:defRPr sz="1400" kern="1200">
+                <a:solidFill>
+                  <a:schemeClr val="tx1"/>
+                </a:solidFill>
+                <a:latin typeface="+mn-lt"/>
+                <a:ea typeface="+mn-ea"/>
+                <a:cs typeface="+mn-cs"/>
+              </a:defRPr>
+            </a:lvl6pPr>
+            <a:lvl7pPr marL="2057400" indent="-228600" algn="l" defTabSz="914400" rtl="0" eaLnBrk="1" latinLnBrk="0" hangingPunct="1">
+              <a:lnSpc>
+                <a:spcPct val="90000"/>
+              </a:lnSpc>
+              <a:spcBef>
+                <a:spcPts val="800"/>
+              </a:spcBef>
+              <a:buClr>
+                <a:schemeClr val="accent1"/>
+              </a:buClr>
+              <a:buFont typeface="Arial" pitchFamily="34" charset="0"/>
+              <a:buChar char="•"/>
+              <a:defRPr sz="1400" kern="1200">
+                <a:solidFill>
+                  <a:schemeClr val="tx1"/>
+                </a:solidFill>
+                <a:latin typeface="+mn-lt"/>
+                <a:ea typeface="+mn-ea"/>
+                <a:cs typeface="+mn-cs"/>
+              </a:defRPr>
+            </a:lvl7pPr>
+            <a:lvl8pPr marL="2331720" indent="-228600" algn="l" defTabSz="914400" rtl="0" eaLnBrk="1" latinLnBrk="0" hangingPunct="1">
+              <a:lnSpc>
+                <a:spcPct val="90000"/>
+              </a:lnSpc>
+              <a:spcBef>
+                <a:spcPts val="800"/>
+              </a:spcBef>
+              <a:buClr>
+                <a:schemeClr val="accent1"/>
+              </a:buClr>
+              <a:buFont typeface="Arial" pitchFamily="34" charset="0"/>
+              <a:buChar char="•"/>
+              <a:defRPr sz="1400" kern="1200">
+                <a:solidFill>
+                  <a:schemeClr val="tx1"/>
+                </a:solidFill>
+                <a:latin typeface="+mn-lt"/>
+                <a:ea typeface="+mn-ea"/>
+                <a:cs typeface="+mn-cs"/>
+              </a:defRPr>
+            </a:lvl8pPr>
+            <a:lvl9pPr marL="2606040" indent="-228600" algn="l" defTabSz="914400" rtl="0" eaLnBrk="1" latinLnBrk="0" hangingPunct="1">
+              <a:lnSpc>
+                <a:spcPct val="90000"/>
+              </a:lnSpc>
+              <a:spcBef>
+                <a:spcPts val="800"/>
+              </a:spcBef>
+              <a:buClr>
+                <a:schemeClr val="accent1"/>
+              </a:buClr>
+              <a:buFont typeface="Arial" pitchFamily="34" charset="0"/>
+              <a:buChar char="•"/>
+              <a:defRPr sz="1400" kern="1200">
+                <a:solidFill>
+                  <a:schemeClr val="tx1"/>
+                </a:solidFill>
+                <a:latin typeface="+mn-lt"/>
+                <a:ea typeface="+mn-ea"/>
+                <a:cs typeface="+mn-cs"/>
+              </a:defRPr>
+            </a:lvl9pPr>
+          </a:lstStyle>
+          <a:p>
+            <a:pPr marL="0" indent="0">
+              <a:buNone/>
+            </a:pPr>
             <a:r>
               <a:rPr lang="fr-FR" dirty="0">
                 <a:solidFill>
@@ -3896,7 +4177,22 @@
                   </a:schemeClr>
                 </a:solidFill>
               </a:rPr>
-              <a:t>Recherche des stations de transport suisses les plus proches</a:t>
+              <a:t>Recherche de la station de transports en communs la plus proche</a:t>
+            </a:r>
+          </a:p>
+          <a:p>
+            <a:pPr marL="0" indent="0">
+              <a:buNone/>
+            </a:pPr>
+            <a:r>
+              <a:rPr lang="fr-FR" dirty="0">
+                <a:solidFill>
+                  <a:schemeClr val="accent3">
+                    <a:lumMod val="75000"/>
+                  </a:schemeClr>
+                </a:solidFill>
+              </a:rPr>
+              <a:t>Kevin Dubois – MAS-RAD</a:t>
             </a:r>
           </a:p>
         </p:txBody>
@@ -3904,25 +4200,13 @@
     </p:spTree>
     <p:extLst>
       <p:ext uri="{BB962C8B-B14F-4D97-AF65-F5344CB8AC3E}">
-        <p14:creationId xmlns:p14="http://schemas.microsoft.com/office/powerpoint/2010/main" val="242453831"/>
+        <p14:creationId xmlns:p14="http://schemas.microsoft.com/office/powerpoint/2010/main" val="569467662"/>
       </p:ext>
     </p:extLst>
   </p:cSld>
   <p:clrMapOvr>
     <a:masterClrMapping/>
   </p:clrMapOvr>
-  <mc:AlternateContent xmlns:mc="http://schemas.openxmlformats.org/markup-compatibility/2006" xmlns:p14="http://schemas.microsoft.com/office/powerpoint/2010/main">
-    <mc:Choice Requires="p14">
-      <p:transition spd="med" p14:dur="700">
-        <p:fade/>
-      </p:transition>
-    </mc:Choice>
-    <mc:Fallback xmlns="">
-      <p:transition spd="med">
-        <p:fade/>
-      </p:transition>
-    </mc:Fallback>
-  </mc:AlternateContent>
 </p:sld>
 </file>
 
@@ -3984,7 +4268,9 @@
         </p:nvSpPr>
         <p:spPr/>
         <p:txBody>
-          <a:bodyPr rtlCol="0"/>
+          <a:bodyPr rtlCol="0">
+            <a:normAutofit/>
+          </a:bodyPr>
           <a:lstStyle/>
           <a:p>
             <a:pPr rtl="0">
@@ -3996,7 +4282,7 @@
             </a:pPr>
             <a:r>
               <a:rPr lang="fr-FR" dirty="0"/>
-              <a:t>Introduire à la main une position (latitude – longitude).</a:t>
+              <a:t>Rechercher la position du téléphone.</a:t>
             </a:r>
           </a:p>
           <a:p>
@@ -4009,7 +4295,7 @@
             </a:pPr>
             <a:r>
               <a:rPr lang="fr-FR" dirty="0"/>
-              <a:t>Recherche en automatique la position du téléphone.</a:t>
+              <a:t>Valider que la position soit en Suisse.</a:t>
             </a:r>
           </a:p>
           <a:p>
@@ -4022,7 +4308,7 @@
             </a:pPr>
             <a:r>
               <a:rPr lang="fr-FR" dirty="0"/>
-              <a:t>Valider la position en Suisse.</a:t>
+              <a:t>Afficher une liste des stations les plus proches.</a:t>
             </a:r>
           </a:p>
           <a:p>
@@ -4033,10 +4319,318 @@
                 </a:schemeClr>
               </a:buClr>
             </a:pPr>
+            <a:endParaRPr lang="fr-FR" dirty="0"/>
+          </a:p>
+          <a:p>
+            <a:pPr rtl="0">
+              <a:buClr>
+                <a:schemeClr val="accent3">
+                  <a:lumMod val="75000"/>
+                </a:schemeClr>
+              </a:buClr>
+            </a:pPr>
+            <a:endParaRPr lang="fr-FR" dirty="0"/>
+          </a:p>
+          <a:p>
+            <a:pPr rtl="0">
+              <a:buClr>
+                <a:schemeClr val="accent3">
+                  <a:lumMod val="75000"/>
+                </a:schemeClr>
+              </a:buClr>
+            </a:pPr>
             <a:r>
               <a:rPr lang="fr-FR" dirty="0"/>
-              <a:t>Afficher une liste des stations les plus proches.</a:t>
-            </a:r>
+              <a:t>Consommer une API externe.</a:t>
+            </a:r>
+          </a:p>
+          <a:p>
+            <a:pPr rtl="0">
+              <a:buClr>
+                <a:schemeClr val="accent3">
+                  <a:lumMod val="75000"/>
+                </a:schemeClr>
+              </a:buClr>
+            </a:pPr>
+            <a:r>
+              <a:rPr lang="fr-FR" dirty="0"/>
+              <a:t>Implémenter une liste avec des icones.</a:t>
+            </a:r>
+          </a:p>
+          <a:p>
+            <a:pPr rtl="0">
+              <a:buClr>
+                <a:schemeClr val="accent3">
+                  <a:lumMod val="75000"/>
+                </a:schemeClr>
+              </a:buClr>
+            </a:pPr>
+            <a:r>
+              <a:rPr lang="fr-FR" dirty="0"/>
+              <a:t>Changement </a:t>
+            </a:r>
+            <a:r>
+              <a:rPr lang="fr-FR" dirty="0" err="1"/>
+              <a:t>d’activity</a:t>
+            </a:r>
+            <a:r>
+              <a:rPr lang="fr-FR" dirty="0"/>
+              <a:t>.</a:t>
+            </a:r>
+          </a:p>
+          <a:p>
+            <a:pPr rtl="0">
+              <a:buClr>
+                <a:schemeClr val="accent3">
+                  <a:lumMod val="75000"/>
+                </a:schemeClr>
+              </a:buClr>
+            </a:pPr>
+            <a:endParaRPr lang="fr-FR" dirty="0"/>
+          </a:p>
+        </p:txBody>
+      </p:sp>
+      <p:sp>
+        <p:nvSpPr>
+          <p:cNvPr id="4" name="Titre 12">
+            <a:extLst>
+              <a:ext uri="{FF2B5EF4-FFF2-40B4-BE49-F238E27FC236}">
+                <a16:creationId xmlns:a16="http://schemas.microsoft.com/office/drawing/2014/main" id="{6305AB39-86D8-4CF5-A67C-4F24257536C8}"/>
+              </a:ext>
+            </a:extLst>
+          </p:cNvPr>
+          <p:cNvSpPr txBox="1">
+            <a:spLocks/>
+          </p:cNvSpPr>
+          <p:nvPr/>
+        </p:nvSpPr>
+        <p:spPr>
+          <a:xfrm>
+            <a:off x="1524000" y="3068960"/>
+            <a:ext cx="9144000" cy="1143000"/>
+          </a:xfrm>
+          <a:prstGeom prst="rect">
+            <a:avLst/>
+          </a:prstGeom>
+        </p:spPr>
+        <p:txBody>
+          <a:bodyPr vert="horz" lIns="91440" tIns="45720" rIns="91440" bIns="45720" rtlCol="0" anchor="b">
+            <a:normAutofit/>
+          </a:bodyPr>
+          <a:lstStyle>
+            <a:lvl1pPr algn="l" defTabSz="914400" rtl="0" eaLnBrk="1" latinLnBrk="0" hangingPunct="1">
+              <a:lnSpc>
+                <a:spcPct val="90000"/>
+              </a:lnSpc>
+              <a:spcBef>
+                <a:spcPct val="0"/>
+              </a:spcBef>
+              <a:buNone/>
+              <a:defRPr sz="3400" kern="1200">
+                <a:solidFill>
+                  <a:schemeClr val="accent1"/>
+                </a:solidFill>
+                <a:latin typeface="+mj-lt"/>
+                <a:ea typeface="+mj-ea"/>
+                <a:cs typeface="+mj-cs"/>
+              </a:defRPr>
+            </a:lvl1pPr>
+          </a:lstStyle>
+          <a:p>
+            <a:r>
+              <a:rPr lang="fr-FR" sz="2400" dirty="0">
+                <a:solidFill>
+                  <a:schemeClr val="accent3">
+                    <a:lumMod val="75000"/>
+                  </a:schemeClr>
+                </a:solidFill>
+              </a:rPr>
+              <a:t>Mettre en pratique la théorie</a:t>
+            </a:r>
+          </a:p>
+        </p:txBody>
+      </p:sp>
+      <p:pic>
+        <p:nvPicPr>
+          <p:cNvPr id="6" name="Image 5">
+            <a:extLst>
+              <a:ext uri="{FF2B5EF4-FFF2-40B4-BE49-F238E27FC236}">
+                <a16:creationId xmlns:a16="http://schemas.microsoft.com/office/drawing/2014/main" id="{587A3BB8-4F10-4520-83F1-5A16F4DE8F5E}"/>
+              </a:ext>
+            </a:extLst>
+          </p:cNvPr>
+          <p:cNvPicPr>
+            <a:picLocks noChangeAspect="1"/>
+          </p:cNvPicPr>
+          <p:nvPr/>
+        </p:nvPicPr>
+        <p:blipFill>
+          <a:blip r:embed="rId2"/>
+          <a:stretch>
+            <a:fillRect/>
+          </a:stretch>
+        </p:blipFill>
+        <p:spPr>
+          <a:xfrm>
+            <a:off x="7392144" y="2496000"/>
+            <a:ext cx="2004410" cy="3600000"/>
+          </a:xfrm>
+          <a:prstGeom prst="rect">
+            <a:avLst/>
+          </a:prstGeom>
+        </p:spPr>
+      </p:pic>
+      <p:pic>
+        <p:nvPicPr>
+          <p:cNvPr id="7" name="Espace réservé du contenu 8">
+            <a:extLst>
+              <a:ext uri="{FF2B5EF4-FFF2-40B4-BE49-F238E27FC236}">
+                <a16:creationId xmlns:a16="http://schemas.microsoft.com/office/drawing/2014/main" id="{A21907AA-7339-4620-8B79-743E8FF9E02E}"/>
+              </a:ext>
+            </a:extLst>
+          </p:cNvPr>
+          <p:cNvPicPr>
+            <a:picLocks noChangeAspect="1"/>
+          </p:cNvPicPr>
+          <p:nvPr/>
+        </p:nvPicPr>
+        <p:blipFill>
+          <a:blip r:embed="rId3"/>
+          <a:stretch>
+            <a:fillRect/>
+          </a:stretch>
+        </p:blipFill>
+        <p:spPr>
+          <a:xfrm>
+            <a:off x="9853168" y="2496000"/>
+            <a:ext cx="1981395" cy="3600000"/>
+          </a:xfrm>
+          <a:prstGeom prst="rect">
+            <a:avLst/>
+          </a:prstGeom>
+        </p:spPr>
+      </p:pic>
+      <p:sp>
+        <p:nvSpPr>
+          <p:cNvPr id="5" name="Flèche : courbe vers la gauche 4">
+            <a:extLst>
+              <a:ext uri="{FF2B5EF4-FFF2-40B4-BE49-F238E27FC236}">
+                <a16:creationId xmlns:a16="http://schemas.microsoft.com/office/drawing/2014/main" id="{BEDEC2F9-7389-4FEA-90AF-A54073700B3E}"/>
+              </a:ext>
+            </a:extLst>
+          </p:cNvPr>
+          <p:cNvSpPr/>
+          <p:nvPr/>
+        </p:nvSpPr>
+        <p:spPr>
+          <a:xfrm rot="16200000">
+            <a:off x="9377595" y="1584381"/>
+            <a:ext cx="468052" cy="1126586"/>
+          </a:xfrm>
+          <a:prstGeom prst="curvedLeftArrow">
+            <a:avLst>
+              <a:gd name="adj1" fmla="val 25000"/>
+              <a:gd name="adj2" fmla="val 63383"/>
+              <a:gd name="adj3" fmla="val 25000"/>
+            </a:avLst>
+          </a:prstGeom>
+          <a:solidFill>
+            <a:srgbClr val="2F8F9B"/>
+          </a:solidFill>
+          <a:ln>
+            <a:solidFill>
+              <a:srgbClr val="2F8F9B"/>
+            </a:solidFill>
+          </a:ln>
+        </p:spPr>
+        <p:style>
+          <a:lnRef idx="2">
+            <a:schemeClr val="accent1">
+              <a:shade val="50000"/>
+            </a:schemeClr>
+          </a:lnRef>
+          <a:fillRef idx="1">
+            <a:schemeClr val="accent1"/>
+          </a:fillRef>
+          <a:effectRef idx="0">
+            <a:schemeClr val="accent1"/>
+          </a:effectRef>
+          <a:fontRef idx="minor">
+            <a:schemeClr val="lt1"/>
+          </a:fontRef>
+        </p:style>
+        <p:txBody>
+          <a:bodyPr rtlCol="0" anchor="ctr"/>
+          <a:lstStyle/>
+          <a:p>
+            <a:pPr algn="ctr"/>
+            <a:endParaRPr lang="fr-CH">
+              <a:solidFill>
+                <a:schemeClr val="tx1"/>
+              </a:solidFill>
+            </a:endParaRPr>
+          </a:p>
+        </p:txBody>
+      </p:sp>
+      <p:sp>
+        <p:nvSpPr>
+          <p:cNvPr id="10" name="Flèche : courbe vers la gauche 9">
+            <a:extLst>
+              <a:ext uri="{FF2B5EF4-FFF2-40B4-BE49-F238E27FC236}">
+                <a16:creationId xmlns:a16="http://schemas.microsoft.com/office/drawing/2014/main" id="{419CBAFB-7B78-4D40-8F5B-36A51197E835}"/>
+              </a:ext>
+            </a:extLst>
+          </p:cNvPr>
+          <p:cNvSpPr/>
+          <p:nvPr/>
+        </p:nvSpPr>
+        <p:spPr>
+          <a:xfrm rot="5400000">
+            <a:off x="9345421" y="5897111"/>
+            <a:ext cx="468052" cy="1126586"/>
+          </a:xfrm>
+          <a:prstGeom prst="curvedLeftArrow">
+            <a:avLst>
+              <a:gd name="adj1" fmla="val 25000"/>
+              <a:gd name="adj2" fmla="val 63383"/>
+              <a:gd name="adj3" fmla="val 25000"/>
+            </a:avLst>
+          </a:prstGeom>
+          <a:solidFill>
+            <a:srgbClr val="2F8F9B"/>
+          </a:solidFill>
+          <a:ln>
+            <a:solidFill>
+              <a:srgbClr val="2F8F9B"/>
+            </a:solidFill>
+          </a:ln>
+        </p:spPr>
+        <p:style>
+          <a:lnRef idx="2">
+            <a:schemeClr val="accent1">
+              <a:shade val="50000"/>
+            </a:schemeClr>
+          </a:lnRef>
+          <a:fillRef idx="1">
+            <a:schemeClr val="accent1"/>
+          </a:fillRef>
+          <a:effectRef idx="0">
+            <a:schemeClr val="accent1"/>
+          </a:effectRef>
+          <a:fontRef idx="minor">
+            <a:schemeClr val="lt1"/>
+          </a:fontRef>
+        </p:style>
+        <p:txBody>
+          <a:bodyPr rtlCol="0" anchor="ctr"/>
+          <a:lstStyle/>
+          <a:p>
+            <a:pPr algn="ctr"/>
+            <a:endParaRPr lang="fr-CH">
+              <a:solidFill>
+                <a:schemeClr val="tx1"/>
+              </a:solidFill>
+            </a:endParaRPr>
           </a:p>
         </p:txBody>
       </p:sp>
@@ -4094,46 +4688,96 @@
                   </a:schemeClr>
                 </a:solidFill>
               </a:rPr>
-              <a:t>Démonstration de l’application</a:t>
-            </a:r>
-          </a:p>
-        </p:txBody>
-      </p:sp>
-      <p:pic>
-        <p:nvPicPr>
-          <p:cNvPr id="5" name="Espace réservé du contenu 9">
+              <a:t>Autorisations – AndroidManifest.xml</a:t>
+            </a:r>
+          </a:p>
+        </p:txBody>
+      </p:sp>
+      <p:sp>
+        <p:nvSpPr>
+          <p:cNvPr id="12" name="Espace réservé du contenu 13">
             <a:extLst>
               <a:ext uri="{FF2B5EF4-FFF2-40B4-BE49-F238E27FC236}">
-                <a16:creationId xmlns:a16="http://schemas.microsoft.com/office/drawing/2014/main" id="{CBF7D1CF-CE83-4CD2-BDAF-ACCC133860AC}"/>
+                <a16:creationId xmlns:a16="http://schemas.microsoft.com/office/drawing/2014/main" id="{BDA9028D-91FD-4128-898A-03F0AE38B634}"/>
               </a:ext>
             </a:extLst>
           </p:cNvPr>
-          <p:cNvPicPr>
-            <a:picLocks noChangeAspect="1"/>
-          </p:cNvPicPr>
-          <p:nvPr/>
-        </p:nvPicPr>
-        <p:blipFill rotWithShape="1">
-          <a:blip r:embed="rId2"/>
-          <a:srcRect l="24080" t="6810" r="3707" b="12102"/>
-          <a:stretch/>
-        </p:blipFill>
+          <p:cNvSpPr>
+            <a:spLocks noGrp="1"/>
+          </p:cNvSpPr>
+          <p:nvPr>
+            <p:ph idx="1"/>
+          </p:nvPr>
+        </p:nvSpPr>
         <p:spPr>
           <a:xfrm>
-            <a:off x="7778538" y="2996952"/>
-            <a:ext cx="4091118" cy="3600000"/>
+            <a:off x="1017945" y="1988840"/>
+            <a:ext cx="6624736" cy="4176464"/>
           </a:xfrm>
-          <a:prstGeom prst="rect">
-            <a:avLst/>
-          </a:prstGeom>
         </p:spPr>
-      </p:pic>
+        <p:txBody>
+          <a:bodyPr rtlCol="0">
+            <a:normAutofit/>
+          </a:bodyPr>
+          <a:lstStyle/>
+          <a:p>
+            <a:pPr>
+              <a:buClr>
+                <a:schemeClr val="accent3">
+                  <a:lumMod val="75000"/>
+                </a:schemeClr>
+              </a:buClr>
+            </a:pPr>
+            <a:r>
+              <a:rPr lang="fr-FR" dirty="0"/>
+              <a:t>Besoins :</a:t>
+            </a:r>
+          </a:p>
+          <a:p>
+            <a:pPr lvl="1">
+              <a:buClr>
+                <a:schemeClr val="accent3">
+                  <a:lumMod val="75000"/>
+                </a:schemeClr>
+              </a:buClr>
+            </a:pPr>
+            <a:r>
+              <a:rPr lang="fr-FR" dirty="0"/>
+              <a:t>Accès à la position de l’appareil. </a:t>
+            </a:r>
+          </a:p>
+          <a:p>
+            <a:pPr lvl="1">
+              <a:buClr>
+                <a:schemeClr val="accent3">
+                  <a:lumMod val="75000"/>
+                </a:schemeClr>
+              </a:buClr>
+            </a:pPr>
+            <a:r>
+              <a:rPr lang="fr-FR" dirty="0"/>
+              <a:t>Accès internet.</a:t>
+            </a:r>
+          </a:p>
+          <a:p>
+            <a:pPr marL="365760" lvl="1" indent="0">
+              <a:buClr>
+                <a:schemeClr val="accent3">
+                  <a:lumMod val="75000"/>
+                </a:schemeClr>
+              </a:buClr>
+              <a:buNone/>
+            </a:pPr>
+            <a:endParaRPr lang="fr-FR" dirty="0"/>
+          </a:p>
+        </p:txBody>
+      </p:sp>
       <p:pic>
         <p:nvPicPr>
-          <p:cNvPr id="6" name="Image 5">
+          <p:cNvPr id="5" name="Image 4">
             <a:extLst>
               <a:ext uri="{FF2B5EF4-FFF2-40B4-BE49-F238E27FC236}">
-                <a16:creationId xmlns:a16="http://schemas.microsoft.com/office/drawing/2014/main" id="{4B4B369F-EFCD-4184-854E-6F8EB0A46539}"/>
+                <a16:creationId xmlns:a16="http://schemas.microsoft.com/office/drawing/2014/main" id="{E9D6605B-A1CB-4265-B8F1-96CE733E84D8}"/>
               </a:ext>
             </a:extLst>
           </p:cNvPr>
@@ -4143,27 +4787,270 @@
           <p:nvPr/>
         </p:nvPicPr>
         <p:blipFill>
-          <a:blip r:embed="rId3"/>
+          <a:blip r:embed="rId2"/>
           <a:stretch>
             <a:fillRect/>
           </a:stretch>
         </p:blipFill>
         <p:spPr>
           <a:xfrm>
-            <a:off x="633584" y="1917352"/>
-            <a:ext cx="1990728" cy="3600000"/>
+            <a:off x="1012034" y="3861048"/>
+            <a:ext cx="10678971" cy="1487826"/>
           </a:xfrm>
           <a:prstGeom prst="rect">
             <a:avLst/>
           </a:prstGeom>
         </p:spPr>
       </p:pic>
+    </p:spTree>
+    <p:extLst>
+      <p:ext uri="{BB962C8B-B14F-4D97-AF65-F5344CB8AC3E}">
+        <p14:creationId xmlns:p14="http://schemas.microsoft.com/office/powerpoint/2010/main" val="2868394922"/>
+      </p:ext>
+    </p:extLst>
+  </p:cSld>
+  <p:clrMapOvr>
+    <a:masterClrMapping/>
+  </p:clrMapOvr>
+</p:sld>
+</file>
+
+<file path=ppt/slides/slide4.xml><?xml version="1.0" encoding="utf-8"?>
+<p:sld xmlns:a="http://schemas.openxmlformats.org/drawingml/2006/main" xmlns:r="http://schemas.openxmlformats.org/officeDocument/2006/relationships" xmlns:p="http://schemas.openxmlformats.org/presentationml/2006/main">
+  <p:cSld>
+    <p:spTree>
+      <p:nvGrpSpPr>
+        <p:cNvPr id="1" name=""/>
+        <p:cNvGrpSpPr/>
+        <p:nvPr/>
+      </p:nvGrpSpPr>
+      <p:grpSpPr>
+        <a:xfrm>
+          <a:off x="0" y="0"/>
+          <a:ext cx="0" cy="0"/>
+          <a:chOff x="0" y="0"/>
+          <a:chExt cx="0" cy="0"/>
+        </a:xfrm>
+      </p:grpSpPr>
+      <p:sp>
+        <p:nvSpPr>
+          <p:cNvPr id="2" name="Titre 1"/>
+          <p:cNvSpPr>
+            <a:spLocks noGrp="1"/>
+          </p:cNvSpPr>
+          <p:nvPr>
+            <p:ph type="title"/>
+          </p:nvPr>
+        </p:nvSpPr>
+        <p:spPr/>
+        <p:txBody>
+          <a:bodyPr rtlCol="0"/>
+          <a:lstStyle/>
+          <a:p>
+            <a:pPr rtl="0"/>
+            <a:r>
+              <a:rPr lang="fr-FR" dirty="0">
+                <a:solidFill>
+                  <a:schemeClr val="accent3">
+                    <a:lumMod val="75000"/>
+                  </a:schemeClr>
+                </a:solidFill>
+              </a:rPr>
+              <a:t>API utilisées</a:t>
+            </a:r>
+          </a:p>
+        </p:txBody>
+      </p:sp>
       <p:pic>
         <p:nvPicPr>
-          <p:cNvPr id="7" name="Image 6">
+          <p:cNvPr id="8" name="Image 7">
             <a:extLst>
               <a:ext uri="{FF2B5EF4-FFF2-40B4-BE49-F238E27FC236}">
-                <a16:creationId xmlns:a16="http://schemas.microsoft.com/office/drawing/2014/main" id="{B3D974C7-63BD-452D-98F3-DA65673E71CC}"/>
+                <a16:creationId xmlns:a16="http://schemas.microsoft.com/office/drawing/2014/main" id="{6F731F96-8DC2-41C5-9688-058C2E725B01}"/>
+              </a:ext>
+            </a:extLst>
+          </p:cNvPr>
+          <p:cNvPicPr>
+            <a:picLocks noChangeAspect="1"/>
+          </p:cNvPicPr>
+          <p:nvPr/>
+        </p:nvPicPr>
+        <p:blipFill>
+          <a:blip r:embed="rId2"/>
+          <a:stretch>
+            <a:fillRect/>
+          </a:stretch>
+        </p:blipFill>
+        <p:spPr>
+          <a:xfrm>
+            <a:off x="9264352" y="2348880"/>
+            <a:ext cx="1986755" cy="3600000"/>
+          </a:xfrm>
+          <a:prstGeom prst="rect">
+            <a:avLst/>
+          </a:prstGeom>
+        </p:spPr>
+      </p:pic>
+      <p:sp>
+        <p:nvSpPr>
+          <p:cNvPr id="12" name="Espace réservé du contenu 13">
+            <a:extLst>
+              <a:ext uri="{FF2B5EF4-FFF2-40B4-BE49-F238E27FC236}">
+                <a16:creationId xmlns:a16="http://schemas.microsoft.com/office/drawing/2014/main" id="{BDA9028D-91FD-4128-898A-03F0AE38B634}"/>
+              </a:ext>
+            </a:extLst>
+          </p:cNvPr>
+          <p:cNvSpPr>
+            <a:spLocks noGrp="1"/>
+          </p:cNvSpPr>
+          <p:nvPr>
+            <p:ph idx="1"/>
+          </p:nvPr>
+        </p:nvSpPr>
+        <p:spPr>
+          <a:xfrm>
+            <a:off x="1017945" y="1988840"/>
+            <a:ext cx="6624736" cy="4176464"/>
+          </a:xfrm>
+        </p:spPr>
+        <p:txBody>
+          <a:bodyPr rtlCol="0">
+            <a:normAutofit/>
+          </a:bodyPr>
+          <a:lstStyle/>
+          <a:p>
+            <a:pPr>
+              <a:buClr>
+                <a:schemeClr val="accent3">
+                  <a:lumMod val="75000"/>
+                </a:schemeClr>
+              </a:buClr>
+            </a:pPr>
+            <a:r>
+              <a:rPr lang="fr-FR" dirty="0"/>
+              <a:t>Recherche d’information sur la positon =&gt; </a:t>
+            </a:r>
+            <a:r>
+              <a:rPr lang="fr-FR" dirty="0" err="1"/>
+              <a:t>OpenCageData</a:t>
+            </a:r>
+            <a:r>
+              <a:rPr lang="fr-FR" dirty="0"/>
+              <a:t> (https://opencagedata.com)</a:t>
+            </a:r>
+          </a:p>
+          <a:p>
+            <a:pPr marL="0" indent="0">
+              <a:buClr>
+                <a:schemeClr val="accent3">
+                  <a:lumMod val="75000"/>
+                </a:schemeClr>
+              </a:buClr>
+              <a:buNone/>
+            </a:pPr>
+            <a:endParaRPr lang="fr-FR" dirty="0"/>
+          </a:p>
+          <a:p>
+            <a:pPr lvl="1">
+              <a:buClr>
+                <a:schemeClr val="accent3">
+                  <a:lumMod val="75000"/>
+                </a:schemeClr>
+              </a:buClr>
+            </a:pPr>
+            <a:r>
+              <a:rPr lang="fr-FR" dirty="0"/>
+              <a:t>Permet la validation :</a:t>
+            </a:r>
+          </a:p>
+          <a:p>
+            <a:pPr lvl="1">
+              <a:buClr>
+                <a:schemeClr val="accent3">
+                  <a:lumMod val="75000"/>
+                </a:schemeClr>
+              </a:buClr>
+            </a:pPr>
+            <a:endParaRPr lang="fr-FR" dirty="0"/>
+          </a:p>
+          <a:p>
+            <a:pPr marL="365760" lvl="1" indent="0">
+              <a:buClr>
+                <a:schemeClr val="accent3">
+                  <a:lumMod val="75000"/>
+                </a:schemeClr>
+              </a:buClr>
+              <a:buNone/>
+            </a:pPr>
+            <a:endParaRPr lang="fr-FR" dirty="0"/>
+          </a:p>
+          <a:p>
+            <a:pPr>
+              <a:buClr>
+                <a:schemeClr val="accent3">
+                  <a:lumMod val="75000"/>
+                </a:schemeClr>
+              </a:buClr>
+            </a:pPr>
+            <a:r>
+              <a:rPr lang="fr-FR" dirty="0"/>
+              <a:t>Recherche d’informations sur les stations environnantes =&gt; Search.ch (</a:t>
+            </a:r>
+            <a:r>
+              <a:rPr lang="fr-FR" dirty="0">
+                <a:hlinkClick r:id="rId3"/>
+              </a:rPr>
+              <a:t>https://horaire.search.ch/api/help.fr.html</a:t>
+            </a:r>
+            <a:r>
+              <a:rPr lang="fr-FR" dirty="0"/>
+              <a:t>)</a:t>
+            </a:r>
+          </a:p>
+          <a:p>
+            <a:pPr lvl="1">
+              <a:buClr>
+                <a:schemeClr val="accent3">
+                  <a:lumMod val="75000"/>
+                </a:schemeClr>
+              </a:buClr>
+            </a:pPr>
+            <a:r>
+              <a:rPr lang="fr-FR" dirty="0"/>
+              <a:t>Limitée à 10 positions.</a:t>
+            </a:r>
+          </a:p>
+          <a:p>
+            <a:pPr lvl="1">
+              <a:buClr>
+                <a:schemeClr val="accent3">
+                  <a:lumMod val="75000"/>
+                </a:schemeClr>
+              </a:buClr>
+            </a:pPr>
+            <a:endParaRPr lang="fr-FR" dirty="0"/>
+          </a:p>
+          <a:p>
+            <a:pPr lvl="1">
+              <a:buClr>
+                <a:schemeClr val="accent3">
+                  <a:lumMod val="75000"/>
+                </a:schemeClr>
+              </a:buClr>
+            </a:pPr>
+            <a:r>
+              <a:rPr lang="fr-FR" dirty="0"/>
+              <a:t>Création de la liste :</a:t>
+            </a:r>
+          </a:p>
+        </p:txBody>
+      </p:sp>
+      <p:pic>
+        <p:nvPicPr>
+          <p:cNvPr id="3" name="Image 2">
+            <a:extLst>
+              <a:ext uri="{FF2B5EF4-FFF2-40B4-BE49-F238E27FC236}">
+                <a16:creationId xmlns:a16="http://schemas.microsoft.com/office/drawing/2014/main" id="{803753EF-206A-4752-B1A0-BDD46FD5B188}"/>
               </a:ext>
             </a:extLst>
           </p:cNvPr>
@@ -4180,8 +5067,8 @@
         </p:blipFill>
         <p:spPr>
           <a:xfrm>
-            <a:off x="2999656" y="1917352"/>
-            <a:ext cx="2014097" cy="3600000"/>
+            <a:off x="4519813" y="2472577"/>
+            <a:ext cx="3825692" cy="1912846"/>
           </a:xfrm>
           <a:prstGeom prst="rect">
             <a:avLst/>
@@ -4190,10 +5077,10 @@
       </p:pic>
       <p:pic>
         <p:nvPicPr>
-          <p:cNvPr id="8" name="Image 7">
+          <p:cNvPr id="4" name="Image 3">
             <a:extLst>
               <a:ext uri="{FF2B5EF4-FFF2-40B4-BE49-F238E27FC236}">
-                <a16:creationId xmlns:a16="http://schemas.microsoft.com/office/drawing/2014/main" id="{97CD79BC-5EE0-4417-8E08-8DA008DBB075}"/>
+                <a16:creationId xmlns:a16="http://schemas.microsoft.com/office/drawing/2014/main" id="{8094064E-7A8F-46D2-AF26-D41F53DA9F08}"/>
               </a:ext>
             </a:extLst>
           </p:cNvPr>
@@ -4210,8 +5097,8 @@
         </p:blipFill>
         <p:spPr>
           <a:xfrm>
-            <a:off x="5389097" y="1916616"/>
-            <a:ext cx="1979601" cy="3600000"/>
+            <a:off x="4521785" y="5044349"/>
+            <a:ext cx="3829038" cy="1572640"/>
           </a:xfrm>
           <a:prstGeom prst="rect">
             <a:avLst/>
@@ -4221,7 +5108,7 @@
     </p:spTree>
     <p:extLst>
       <p:ext uri="{BB962C8B-B14F-4D97-AF65-F5344CB8AC3E}">
-        <p14:creationId xmlns:p14="http://schemas.microsoft.com/office/powerpoint/2010/main" val="2116190161"/>
+        <p14:creationId xmlns:p14="http://schemas.microsoft.com/office/powerpoint/2010/main" val="1827567434"/>
       </p:ext>
     </p:extLst>
   </p:cSld>
@@ -4231,7 +5118,276 @@
 </p:sld>
 </file>
 
-<file path=ppt/slides/slide4.xml><?xml version="1.0" encoding="utf-8"?>
+<file path=ppt/slides/slide5.xml><?xml version="1.0" encoding="utf-8"?>
+<p:sld xmlns:a="http://schemas.openxmlformats.org/drawingml/2006/main" xmlns:r="http://schemas.openxmlformats.org/officeDocument/2006/relationships" xmlns:p="http://schemas.openxmlformats.org/presentationml/2006/main">
+  <p:cSld>
+    <p:spTree>
+      <p:nvGrpSpPr>
+        <p:cNvPr id="1" name=""/>
+        <p:cNvGrpSpPr/>
+        <p:nvPr/>
+      </p:nvGrpSpPr>
+      <p:grpSpPr>
+        <a:xfrm>
+          <a:off x="0" y="0"/>
+          <a:ext cx="0" cy="0"/>
+          <a:chOff x="0" y="0"/>
+          <a:chExt cx="0" cy="0"/>
+        </a:xfrm>
+      </p:grpSpPr>
+      <p:sp>
+        <p:nvSpPr>
+          <p:cNvPr id="2" name="Titre 1"/>
+          <p:cNvSpPr>
+            <a:spLocks noGrp="1"/>
+          </p:cNvSpPr>
+          <p:nvPr>
+            <p:ph type="title"/>
+          </p:nvPr>
+        </p:nvSpPr>
+        <p:spPr/>
+        <p:txBody>
+          <a:bodyPr rtlCol="0"/>
+          <a:lstStyle/>
+          <a:p>
+            <a:pPr rtl="0"/>
+            <a:r>
+              <a:rPr lang="fr-FR" dirty="0">
+                <a:solidFill>
+                  <a:schemeClr val="accent3">
+                    <a:lumMod val="75000"/>
+                  </a:schemeClr>
+                </a:solidFill>
+              </a:rPr>
+              <a:t>Création de la liste</a:t>
+            </a:r>
+          </a:p>
+        </p:txBody>
+      </p:sp>
+      <p:sp>
+        <p:nvSpPr>
+          <p:cNvPr id="12" name="Espace réservé du contenu 13">
+            <a:extLst>
+              <a:ext uri="{FF2B5EF4-FFF2-40B4-BE49-F238E27FC236}">
+                <a16:creationId xmlns:a16="http://schemas.microsoft.com/office/drawing/2014/main" id="{BDA9028D-91FD-4128-898A-03F0AE38B634}"/>
+              </a:ext>
+            </a:extLst>
+          </p:cNvPr>
+          <p:cNvSpPr>
+            <a:spLocks noGrp="1"/>
+          </p:cNvSpPr>
+          <p:nvPr>
+            <p:ph idx="1"/>
+          </p:nvPr>
+        </p:nvSpPr>
+        <p:spPr>
+          <a:xfrm>
+            <a:off x="1017945" y="1988840"/>
+            <a:ext cx="6624736" cy="4176464"/>
+          </a:xfrm>
+        </p:spPr>
+        <p:txBody>
+          <a:bodyPr rtlCol="0">
+            <a:normAutofit fontScale="92500" lnSpcReduction="10000"/>
+          </a:bodyPr>
+          <a:lstStyle/>
+          <a:p>
+            <a:pPr>
+              <a:buClr>
+                <a:schemeClr val="accent3">
+                  <a:lumMod val="75000"/>
+                </a:schemeClr>
+              </a:buClr>
+            </a:pPr>
+            <a:r>
+              <a:rPr lang="fr-FR" dirty="0"/>
+              <a:t>Utilisation d’un </a:t>
+            </a:r>
+            <a:r>
+              <a:rPr lang="fr-FR" dirty="0" err="1"/>
+              <a:t>RecyclerView</a:t>
+            </a:r>
+            <a:endParaRPr lang="fr-FR" dirty="0"/>
+          </a:p>
+          <a:p>
+            <a:pPr marL="0" indent="0">
+              <a:buClr>
+                <a:schemeClr val="accent3">
+                  <a:lumMod val="75000"/>
+                </a:schemeClr>
+              </a:buClr>
+              <a:buNone/>
+            </a:pPr>
+            <a:endParaRPr lang="fr-FR" dirty="0"/>
+          </a:p>
+          <a:p>
+            <a:pPr>
+              <a:buClr>
+                <a:schemeClr val="accent3">
+                  <a:lumMod val="75000"/>
+                </a:schemeClr>
+              </a:buClr>
+            </a:pPr>
+            <a:r>
+              <a:rPr lang="fr-FR" dirty="0"/>
+              <a:t>Items :</a:t>
+            </a:r>
+          </a:p>
+          <a:p>
+            <a:pPr lvl="1">
+              <a:buClr>
+                <a:schemeClr val="accent3">
+                  <a:lumMod val="75000"/>
+                </a:schemeClr>
+              </a:buClr>
+            </a:pPr>
+            <a:r>
+              <a:rPr lang="fr-FR" dirty="0"/>
+              <a:t>ID</a:t>
+            </a:r>
+          </a:p>
+          <a:p>
+            <a:pPr lvl="1">
+              <a:buClr>
+                <a:schemeClr val="accent3">
+                  <a:lumMod val="75000"/>
+                </a:schemeClr>
+              </a:buClr>
+            </a:pPr>
+            <a:r>
+              <a:rPr lang="fr-FR" dirty="0"/>
+              <a:t>Adresse</a:t>
+            </a:r>
+          </a:p>
+          <a:p>
+            <a:pPr lvl="1">
+              <a:buClr>
+                <a:schemeClr val="accent3">
+                  <a:lumMod val="75000"/>
+                </a:schemeClr>
+              </a:buClr>
+            </a:pPr>
+            <a:r>
+              <a:rPr lang="fr-FR" dirty="0"/>
+              <a:t>Distance</a:t>
+            </a:r>
+          </a:p>
+          <a:p>
+            <a:pPr lvl="1">
+              <a:buClr>
+                <a:schemeClr val="accent3">
+                  <a:lumMod val="75000"/>
+                </a:schemeClr>
+              </a:buClr>
+            </a:pPr>
+            <a:r>
+              <a:rPr lang="fr-FR" dirty="0"/>
+              <a:t>Icone</a:t>
+            </a:r>
+          </a:p>
+          <a:p>
+            <a:pPr lvl="1">
+              <a:buClr>
+                <a:schemeClr val="accent3">
+                  <a:lumMod val="75000"/>
+                </a:schemeClr>
+              </a:buClr>
+            </a:pPr>
+            <a:endParaRPr lang="fr-FR" dirty="0"/>
+          </a:p>
+          <a:p>
+            <a:pPr>
+              <a:buClr>
+                <a:schemeClr val="accent3">
+                  <a:lumMod val="75000"/>
+                </a:schemeClr>
+              </a:buClr>
+            </a:pPr>
+            <a:r>
+              <a:rPr lang="fr-FR" dirty="0"/>
+              <a:t>Adapter :</a:t>
+            </a:r>
+          </a:p>
+          <a:p>
+            <a:pPr lvl="1">
+              <a:buClr>
+                <a:schemeClr val="accent3">
+                  <a:lumMod val="75000"/>
+                </a:schemeClr>
+              </a:buClr>
+            </a:pPr>
+            <a:r>
+              <a:rPr lang="fr-FR" dirty="0"/>
+              <a:t>Gère l’affichage des éléments de la liste (</a:t>
+            </a:r>
+            <a:r>
+              <a:rPr lang="fr-FR" dirty="0" err="1"/>
+              <a:t>ViewHolder</a:t>
+            </a:r>
+            <a:r>
+              <a:rPr lang="fr-FR" dirty="0"/>
+              <a:t>).</a:t>
+            </a:r>
+          </a:p>
+          <a:p>
+            <a:pPr lvl="1">
+              <a:buClr>
+                <a:schemeClr val="accent3">
+                  <a:lumMod val="75000"/>
+                </a:schemeClr>
+              </a:buClr>
+            </a:pPr>
+            <a:r>
+              <a:rPr lang="fr-FR" dirty="0"/>
+              <a:t>Est notifié des changements pour sa mise à jour.</a:t>
+            </a:r>
+          </a:p>
+        </p:txBody>
+      </p:sp>
+      <p:pic>
+        <p:nvPicPr>
+          <p:cNvPr id="5" name="Image 4">
+            <a:extLst>
+              <a:ext uri="{FF2B5EF4-FFF2-40B4-BE49-F238E27FC236}">
+                <a16:creationId xmlns:a16="http://schemas.microsoft.com/office/drawing/2014/main" id="{44B4DB6E-0EF1-442E-9DED-59121023D88E}"/>
+              </a:ext>
+            </a:extLst>
+          </p:cNvPr>
+          <p:cNvPicPr>
+            <a:picLocks noChangeAspect="1"/>
+          </p:cNvPicPr>
+          <p:nvPr/>
+        </p:nvPicPr>
+        <p:blipFill>
+          <a:blip r:embed="rId2"/>
+          <a:stretch>
+            <a:fillRect/>
+          </a:stretch>
+        </p:blipFill>
+        <p:spPr>
+          <a:xfrm>
+            <a:off x="4318487" y="3212976"/>
+            <a:ext cx="5553303" cy="1011594"/>
+          </a:xfrm>
+          <a:prstGeom prst="rect">
+            <a:avLst/>
+          </a:prstGeom>
+        </p:spPr>
+      </p:pic>
+    </p:spTree>
+    <p:extLst>
+      <p:ext uri="{BB962C8B-B14F-4D97-AF65-F5344CB8AC3E}">
+        <p14:creationId xmlns:p14="http://schemas.microsoft.com/office/powerpoint/2010/main" val="4120116763"/>
+      </p:ext>
+    </p:extLst>
+  </p:cSld>
+  <p:clrMapOvr>
+    <a:masterClrMapping/>
+  </p:clrMapOvr>
+</p:sld>
+</file>
+
+<file path=ppt/slides/slide6.xml><?xml version="1.0" encoding="utf-8"?>
 <p:sld xmlns:a="http://schemas.openxmlformats.org/drawingml/2006/main" xmlns:r="http://schemas.openxmlformats.org/officeDocument/2006/relationships" xmlns:p="http://schemas.openxmlformats.org/presentationml/2006/main">
   <p:cSld>
     <p:spTree>
@@ -4328,7 +5484,7 @@
         </p:blipFill>
         <p:spPr>
           <a:xfrm>
-            <a:off x="7824192" y="2996952"/>
+            <a:off x="7752184" y="2708920"/>
             <a:ext cx="4013552" cy="3600000"/>
           </a:xfrm>
           <a:prstGeom prst="rect">
@@ -4372,296 +5528,6 @@
     <p:extLst>
       <p:ext uri="{BB962C8B-B14F-4D97-AF65-F5344CB8AC3E}">
         <p14:creationId xmlns:p14="http://schemas.microsoft.com/office/powerpoint/2010/main" val="3430009660"/>
-      </p:ext>
-    </p:extLst>
-  </p:cSld>
-  <p:clrMapOvr>
-    <a:masterClrMapping/>
-  </p:clrMapOvr>
-</p:sld>
-</file>
-
-<file path=ppt/slides/slide5.xml><?xml version="1.0" encoding="utf-8"?>
-<p:sld xmlns:a="http://schemas.openxmlformats.org/drawingml/2006/main" xmlns:r="http://schemas.openxmlformats.org/officeDocument/2006/relationships" xmlns:p="http://schemas.openxmlformats.org/presentationml/2006/main">
-  <p:cSld>
-    <p:spTree>
-      <p:nvGrpSpPr>
-        <p:cNvPr id="1" name=""/>
-        <p:cNvGrpSpPr/>
-        <p:nvPr/>
-      </p:nvGrpSpPr>
-      <p:grpSpPr>
-        <a:xfrm>
-          <a:off x="0" y="0"/>
-          <a:ext cx="0" cy="0"/>
-          <a:chOff x="0" y="0"/>
-          <a:chExt cx="0" cy="0"/>
-        </a:xfrm>
-      </p:grpSpPr>
-      <p:sp>
-        <p:nvSpPr>
-          <p:cNvPr id="2" name="Titre 1"/>
-          <p:cNvSpPr>
-            <a:spLocks noGrp="1"/>
-          </p:cNvSpPr>
-          <p:nvPr>
-            <p:ph type="title"/>
-          </p:nvPr>
-        </p:nvSpPr>
-        <p:spPr/>
-        <p:txBody>
-          <a:bodyPr rtlCol="0"/>
-          <a:lstStyle/>
-          <a:p>
-            <a:pPr rtl="0"/>
-            <a:r>
-              <a:rPr lang="fr-FR" dirty="0">
-                <a:solidFill>
-                  <a:schemeClr val="accent3">
-                    <a:lumMod val="75000"/>
-                  </a:schemeClr>
-                </a:solidFill>
-              </a:rPr>
-              <a:t>API utilisés</a:t>
-            </a:r>
-          </a:p>
-        </p:txBody>
-      </p:sp>
-      <p:pic>
-        <p:nvPicPr>
-          <p:cNvPr id="8" name="Image 7">
-            <a:extLst>
-              <a:ext uri="{FF2B5EF4-FFF2-40B4-BE49-F238E27FC236}">
-                <a16:creationId xmlns:a16="http://schemas.microsoft.com/office/drawing/2014/main" id="{6F731F96-8DC2-41C5-9688-058C2E725B01}"/>
-              </a:ext>
-            </a:extLst>
-          </p:cNvPr>
-          <p:cNvPicPr>
-            <a:picLocks noChangeAspect="1"/>
-          </p:cNvPicPr>
-          <p:nvPr/>
-        </p:nvPicPr>
-        <p:blipFill>
-          <a:blip r:embed="rId2"/>
-          <a:stretch>
-            <a:fillRect/>
-          </a:stretch>
-        </p:blipFill>
-        <p:spPr>
-          <a:xfrm>
-            <a:off x="9048328" y="2380250"/>
-            <a:ext cx="1986755" cy="3600000"/>
-          </a:xfrm>
-          <a:prstGeom prst="rect">
-            <a:avLst/>
-          </a:prstGeom>
-        </p:spPr>
-      </p:pic>
-      <p:sp>
-        <p:nvSpPr>
-          <p:cNvPr id="12" name="Espace réservé du contenu 13">
-            <a:extLst>
-              <a:ext uri="{FF2B5EF4-FFF2-40B4-BE49-F238E27FC236}">
-                <a16:creationId xmlns:a16="http://schemas.microsoft.com/office/drawing/2014/main" id="{BDA9028D-91FD-4128-898A-03F0AE38B634}"/>
-              </a:ext>
-            </a:extLst>
-          </p:cNvPr>
-          <p:cNvSpPr>
-            <a:spLocks noGrp="1"/>
-          </p:cNvSpPr>
-          <p:nvPr>
-            <p:ph idx="1"/>
-          </p:nvPr>
-        </p:nvSpPr>
-        <p:spPr>
-          <a:xfrm>
-            <a:off x="1017945" y="1988840"/>
-            <a:ext cx="6624736" cy="4176464"/>
-          </a:xfrm>
-        </p:spPr>
-        <p:txBody>
-          <a:bodyPr rtlCol="0">
-            <a:normAutofit/>
-          </a:bodyPr>
-          <a:lstStyle/>
-          <a:p>
-            <a:pPr>
-              <a:buClr>
-                <a:schemeClr val="accent3">
-                  <a:lumMod val="75000"/>
-                </a:schemeClr>
-              </a:buClr>
-            </a:pPr>
-            <a:r>
-              <a:rPr lang="fr-FR" dirty="0"/>
-              <a:t>Recherche d’information sur la positon =&gt; </a:t>
-            </a:r>
-            <a:r>
-              <a:rPr lang="fr-FR" dirty="0" err="1"/>
-              <a:t>OpenCageData</a:t>
-            </a:r>
-            <a:r>
-              <a:rPr lang="fr-FR" dirty="0"/>
-              <a:t> (opencagedata.com)</a:t>
-            </a:r>
-          </a:p>
-          <a:p>
-            <a:pPr marL="0" indent="0">
-              <a:buClr>
-                <a:schemeClr val="accent3">
-                  <a:lumMod val="75000"/>
-                </a:schemeClr>
-              </a:buClr>
-              <a:buNone/>
-            </a:pPr>
-            <a:endParaRPr lang="fr-FR" dirty="0"/>
-          </a:p>
-          <a:p>
-            <a:pPr lvl="1">
-              <a:buClr>
-                <a:schemeClr val="accent3">
-                  <a:lumMod val="75000"/>
-                </a:schemeClr>
-              </a:buClr>
-            </a:pPr>
-            <a:r>
-              <a:rPr lang="fr-FR" dirty="0"/>
-              <a:t>Validation :</a:t>
-            </a:r>
-          </a:p>
-          <a:p>
-            <a:pPr lvl="1">
-              <a:buClr>
-                <a:schemeClr val="accent3">
-                  <a:lumMod val="75000"/>
-                </a:schemeClr>
-              </a:buClr>
-            </a:pPr>
-            <a:endParaRPr lang="fr-FR" dirty="0"/>
-          </a:p>
-          <a:p>
-            <a:pPr marL="365760" lvl="1" indent="0">
-              <a:buClr>
-                <a:schemeClr val="accent3">
-                  <a:lumMod val="75000"/>
-                </a:schemeClr>
-              </a:buClr>
-              <a:buNone/>
-            </a:pPr>
-            <a:endParaRPr lang="fr-FR" dirty="0"/>
-          </a:p>
-          <a:p>
-            <a:pPr>
-              <a:buClr>
-                <a:schemeClr val="accent3">
-                  <a:lumMod val="75000"/>
-                </a:schemeClr>
-              </a:buClr>
-            </a:pPr>
-            <a:r>
-              <a:rPr lang="fr-FR" dirty="0"/>
-              <a:t>Recherche d’informations sur les stations environnantes =&gt; Search.ch (</a:t>
-            </a:r>
-            <a:r>
-              <a:rPr lang="fr-FR" dirty="0">
-                <a:hlinkClick r:id="rId3"/>
-              </a:rPr>
-              <a:t>https://horaire.search.ch/api/help.fr.html</a:t>
-            </a:r>
-            <a:r>
-              <a:rPr lang="fr-FR" dirty="0"/>
-              <a:t>)</a:t>
-            </a:r>
-          </a:p>
-          <a:p>
-            <a:pPr>
-              <a:buClr>
-                <a:schemeClr val="accent3">
-                  <a:lumMod val="75000"/>
-                </a:schemeClr>
-              </a:buClr>
-            </a:pPr>
-            <a:endParaRPr lang="fr-FR" dirty="0"/>
-          </a:p>
-          <a:p>
-            <a:pPr>
-              <a:buClr>
-                <a:schemeClr val="accent3">
-                  <a:lumMod val="75000"/>
-                </a:schemeClr>
-              </a:buClr>
-            </a:pPr>
-            <a:r>
-              <a:rPr lang="fr-FR" dirty="0"/>
-              <a:t>Création de la liste :</a:t>
-            </a:r>
-          </a:p>
-        </p:txBody>
-      </p:sp>
-      <p:pic>
-        <p:nvPicPr>
-          <p:cNvPr id="3" name="Image 2">
-            <a:extLst>
-              <a:ext uri="{FF2B5EF4-FFF2-40B4-BE49-F238E27FC236}">
-                <a16:creationId xmlns:a16="http://schemas.microsoft.com/office/drawing/2014/main" id="{803753EF-206A-4752-B1A0-BDD46FD5B188}"/>
-              </a:ext>
-            </a:extLst>
-          </p:cNvPr>
-          <p:cNvPicPr>
-            <a:picLocks noChangeAspect="1"/>
-          </p:cNvPicPr>
-          <p:nvPr/>
-        </p:nvPicPr>
-        <p:blipFill>
-          <a:blip r:embed="rId4"/>
-          <a:stretch>
-            <a:fillRect/>
-          </a:stretch>
-        </p:blipFill>
-        <p:spPr>
-          <a:xfrm>
-            <a:off x="3791744" y="2380250"/>
-            <a:ext cx="3825692" cy="1912846"/>
-          </a:xfrm>
-          <a:prstGeom prst="rect">
-            <a:avLst/>
-          </a:prstGeom>
-        </p:spPr>
-      </p:pic>
-      <p:pic>
-        <p:nvPicPr>
-          <p:cNvPr id="4" name="Image 3">
-            <a:extLst>
-              <a:ext uri="{FF2B5EF4-FFF2-40B4-BE49-F238E27FC236}">
-                <a16:creationId xmlns:a16="http://schemas.microsoft.com/office/drawing/2014/main" id="{8094064E-7A8F-46D2-AF26-D41F53DA9F08}"/>
-              </a:ext>
-            </a:extLst>
-          </p:cNvPr>
-          <p:cNvPicPr>
-            <a:picLocks noChangeAspect="1"/>
-          </p:cNvPicPr>
-          <p:nvPr/>
-        </p:nvPicPr>
-        <p:blipFill>
-          <a:blip r:embed="rId5"/>
-          <a:stretch>
-            <a:fillRect/>
-          </a:stretch>
-        </p:blipFill>
-        <p:spPr>
-          <a:xfrm>
-            <a:off x="3791744" y="5096720"/>
-            <a:ext cx="3829038" cy="1572640"/>
-          </a:xfrm>
-          <a:prstGeom prst="rect">
-            <a:avLst/>
-          </a:prstGeom>
-        </p:spPr>
-      </p:pic>
-    </p:spTree>
-    <p:extLst>
-      <p:ext uri="{BB962C8B-B14F-4D97-AF65-F5344CB8AC3E}">
-        <p14:creationId xmlns:p14="http://schemas.microsoft.com/office/powerpoint/2010/main" val="1827567434"/>
       </p:ext>
     </p:extLst>
   </p:cSld>
@@ -5455,129 +6321,12 @@
 </file>
 
 <file path=customXml/item1.xml><?xml version="1.0" encoding="utf-8"?>
-<p:properties xmlns:p="http://schemas.microsoft.com/office/2006/metadata/properties" xmlns:xsi="http://www.w3.org/2001/XMLSchema-instance" xmlns:pc="http://schemas.microsoft.com/office/infopath/2007/PartnerControls">
-  <documentManagement>
-    <DirectSourceMarket xmlns="4873beb7-5857-4685-be1f-d57550cc96cc" xsi:nil="true"/>
-    <ApprovalStatus xmlns="4873beb7-5857-4685-be1f-d57550cc96cc">InProgress</ApprovalStatus>
-    <MarketSpecific xmlns="4873beb7-5857-4685-be1f-d57550cc96cc">false</MarketSpecific>
-    <LocComments xmlns="4873beb7-5857-4685-be1f-d57550cc96cc" xsi:nil="true"/>
-    <ThumbnailAssetId xmlns="4873beb7-5857-4685-be1f-d57550cc96cc" xsi:nil="true"/>
-    <PrimaryImageGen xmlns="4873beb7-5857-4685-be1f-d57550cc96cc">true</PrimaryImageGen>
-    <LegacyData xmlns="4873beb7-5857-4685-be1f-d57550cc96cc" xsi:nil="true"/>
-    <LocRecommendedHandoff xmlns="4873beb7-5857-4685-be1f-d57550cc96cc" xsi:nil="true"/>
-    <BusinessGroup xmlns="4873beb7-5857-4685-be1f-d57550cc96cc" xsi:nil="true"/>
-    <BlockPublish xmlns="4873beb7-5857-4685-be1f-d57550cc96cc">false</BlockPublish>
-    <TPFriendlyName xmlns="4873beb7-5857-4685-be1f-d57550cc96cc" xsi:nil="true"/>
-    <NumericId xmlns="4873beb7-5857-4685-be1f-d57550cc96cc" xsi:nil="true"/>
-    <APEditor xmlns="4873beb7-5857-4685-be1f-d57550cc96cc">
-      <UserInfo>
-        <DisplayName/>
-        <AccountId xsi:nil="true"/>
-        <AccountType/>
-      </UserInfo>
-    </APEditor>
-    <SourceTitle xmlns="4873beb7-5857-4685-be1f-d57550cc96cc" xsi:nil="true"/>
-    <OpenTemplate xmlns="4873beb7-5857-4685-be1f-d57550cc96cc">true</OpenTemplate>
-    <UALocComments xmlns="4873beb7-5857-4685-be1f-d57550cc96cc" xsi:nil="true"/>
-    <ParentAssetId xmlns="4873beb7-5857-4685-be1f-d57550cc96cc" xsi:nil="true"/>
-    <IntlLangReviewDate xmlns="4873beb7-5857-4685-be1f-d57550cc96cc" xsi:nil="true"/>
-    <FeatureTagsTaxHTField0 xmlns="4873beb7-5857-4685-be1f-d57550cc96cc">
-      <Terms xmlns="http://schemas.microsoft.com/office/infopath/2007/PartnerControls"/>
-    </FeatureTagsTaxHTField0>
-    <PublishStatusLookup xmlns="4873beb7-5857-4685-be1f-d57550cc96cc">
-      <Value>1566889</Value>
-    </PublishStatusLookup>
-    <Providers xmlns="4873beb7-5857-4685-be1f-d57550cc96cc" xsi:nil="true"/>
-    <MachineTranslated xmlns="4873beb7-5857-4685-be1f-d57550cc96cc">false</MachineTranslated>
-    <OriginalSourceMarket xmlns="4873beb7-5857-4685-be1f-d57550cc96cc" xsi:nil="true"/>
-    <APDescription xmlns="4873beb7-5857-4685-be1f-d57550cc96cc" xsi:nil="true"/>
-    <ClipArtFilename xmlns="4873beb7-5857-4685-be1f-d57550cc96cc" xsi:nil="true"/>
-    <ContentItem xmlns="4873beb7-5857-4685-be1f-d57550cc96cc" xsi:nil="true"/>
-    <TPInstallLocation xmlns="4873beb7-5857-4685-be1f-d57550cc96cc" xsi:nil="true"/>
-    <PublishTargets xmlns="4873beb7-5857-4685-be1f-d57550cc96cc">OfficeOnlineVNext</PublishTargets>
-    <TimesCloned xmlns="4873beb7-5857-4685-be1f-d57550cc96cc" xsi:nil="true"/>
-    <AssetStart xmlns="4873beb7-5857-4685-be1f-d57550cc96cc">2012-05-23T08:44:00+00:00</AssetStart>
-    <Provider xmlns="4873beb7-5857-4685-be1f-d57550cc96cc" xsi:nil="true"/>
-    <AcquiredFrom xmlns="4873beb7-5857-4685-be1f-d57550cc96cc">Internal MS</AcquiredFrom>
-    <FriendlyTitle xmlns="4873beb7-5857-4685-be1f-d57550cc96cc" xsi:nil="true"/>
-    <LastHandOff xmlns="4873beb7-5857-4685-be1f-d57550cc96cc" xsi:nil="true"/>
-    <TPClientViewer xmlns="4873beb7-5857-4685-be1f-d57550cc96cc" xsi:nil="true"/>
-    <UACurrentWords xmlns="4873beb7-5857-4685-be1f-d57550cc96cc" xsi:nil="true"/>
-    <ArtSampleDocs xmlns="4873beb7-5857-4685-be1f-d57550cc96cc" xsi:nil="true"/>
-    <UALocRecommendation xmlns="4873beb7-5857-4685-be1f-d57550cc96cc">Localize</UALocRecommendation>
-    <Manager xmlns="4873beb7-5857-4685-be1f-d57550cc96cc" xsi:nil="true"/>
-    <ShowIn xmlns="4873beb7-5857-4685-be1f-d57550cc96cc">Show everywhere</ShowIn>
-    <UANotes xmlns="4873beb7-5857-4685-be1f-d57550cc96cc" xsi:nil="true"/>
-    <TemplateStatus xmlns="4873beb7-5857-4685-be1f-d57550cc96cc">Complete</TemplateStatus>
-    <InternalTagsTaxHTField0 xmlns="4873beb7-5857-4685-be1f-d57550cc96cc">
-      <Terms xmlns="http://schemas.microsoft.com/office/infopath/2007/PartnerControls"/>
-    </InternalTagsTaxHTField0>
-    <CSXHash xmlns="4873beb7-5857-4685-be1f-d57550cc96cc" xsi:nil="true"/>
-    <Downloads xmlns="4873beb7-5857-4685-be1f-d57550cc96cc">0</Downloads>
-    <VoteCount xmlns="4873beb7-5857-4685-be1f-d57550cc96cc" xsi:nil="true"/>
-    <OOCacheId xmlns="4873beb7-5857-4685-be1f-d57550cc96cc" xsi:nil="true"/>
-    <IsDeleted xmlns="4873beb7-5857-4685-be1f-d57550cc96cc">false</IsDeleted>
-    <AssetExpire xmlns="4873beb7-5857-4685-be1f-d57550cc96cc">2029-01-01T08:00:00+00:00</AssetExpire>
-    <DSATActionTaken xmlns="4873beb7-5857-4685-be1f-d57550cc96cc" xsi:nil="true"/>
-    <CSXSubmissionMarket xmlns="4873beb7-5857-4685-be1f-d57550cc96cc" xsi:nil="true"/>
-    <TPExecutable xmlns="4873beb7-5857-4685-be1f-d57550cc96cc" xsi:nil="true"/>
-    <SubmitterId xmlns="4873beb7-5857-4685-be1f-d57550cc96cc" xsi:nil="true"/>
-    <EditorialTags xmlns="4873beb7-5857-4685-be1f-d57550cc96cc" xsi:nil="true"/>
-    <ApprovalLog xmlns="4873beb7-5857-4685-be1f-d57550cc96cc" xsi:nil="true"/>
-    <AssetType xmlns="4873beb7-5857-4685-be1f-d57550cc96cc">TP</AssetType>
-    <BugNumber xmlns="4873beb7-5857-4685-be1f-d57550cc96cc" xsi:nil="true"/>
-    <CSXSubmissionDate xmlns="4873beb7-5857-4685-be1f-d57550cc96cc" xsi:nil="true"/>
-    <CSXUpdate xmlns="4873beb7-5857-4685-be1f-d57550cc96cc">false</CSXUpdate>
-    <Milestone xmlns="4873beb7-5857-4685-be1f-d57550cc96cc" xsi:nil="true"/>
-    <RecommendationsModifier xmlns="4873beb7-5857-4685-be1f-d57550cc96cc" xsi:nil="true"/>
-    <OriginAsset xmlns="4873beb7-5857-4685-be1f-d57550cc96cc" xsi:nil="true"/>
-    <TPComponent xmlns="4873beb7-5857-4685-be1f-d57550cc96cc" xsi:nil="true"/>
-    <AssetId xmlns="4873beb7-5857-4685-be1f-d57550cc96cc">TP102901017</AssetId>
-    <IntlLocPriority xmlns="4873beb7-5857-4685-be1f-d57550cc96cc" xsi:nil="true"/>
-    <PolicheckWords xmlns="4873beb7-5857-4685-be1f-d57550cc96cc" xsi:nil="true"/>
-    <TPLaunchHelpLink xmlns="4873beb7-5857-4685-be1f-d57550cc96cc" xsi:nil="true"/>
-    <TPApplication xmlns="4873beb7-5857-4685-be1f-d57550cc96cc" xsi:nil="true"/>
-    <CrawlForDependencies xmlns="4873beb7-5857-4685-be1f-d57550cc96cc">false</CrawlForDependencies>
-    <HandoffToMSDN xmlns="4873beb7-5857-4685-be1f-d57550cc96cc" xsi:nil="true"/>
-    <PlannedPubDate xmlns="4873beb7-5857-4685-be1f-d57550cc96cc" xsi:nil="true"/>
-    <IntlLangReviewer xmlns="4873beb7-5857-4685-be1f-d57550cc96cc" xsi:nil="true"/>
-    <TrustLevel xmlns="4873beb7-5857-4685-be1f-d57550cc96cc">1 Microsoft Managed Content</TrustLevel>
-    <LocLastLocAttemptVersionLookup xmlns="4873beb7-5857-4685-be1f-d57550cc96cc">836753</LocLastLocAttemptVersionLookup>
-    <IsSearchable xmlns="4873beb7-5857-4685-be1f-d57550cc96cc">true</IsSearchable>
-    <TemplateTemplateType xmlns="4873beb7-5857-4685-be1f-d57550cc96cc">PowerPoint Design Template</TemplateTemplateType>
-    <CampaignTagsTaxHTField0 xmlns="4873beb7-5857-4685-be1f-d57550cc96cc">
-      <Terms xmlns="http://schemas.microsoft.com/office/infopath/2007/PartnerControls"/>
-    </CampaignTagsTaxHTField0>
-    <TPNamespace xmlns="4873beb7-5857-4685-be1f-d57550cc96cc" xsi:nil="true"/>
-    <TaxCatchAll xmlns="4873beb7-5857-4685-be1f-d57550cc96cc"/>
-    <Markets xmlns="4873beb7-5857-4685-be1f-d57550cc96cc"/>
-    <UAProjectedTotalWords xmlns="4873beb7-5857-4685-be1f-d57550cc96cc" xsi:nil="true"/>
-    <IntlLangReview xmlns="4873beb7-5857-4685-be1f-d57550cc96cc">false</IntlLangReview>
-    <OutputCachingOn xmlns="4873beb7-5857-4685-be1f-d57550cc96cc">false</OutputCachingOn>
-    <AverageRating xmlns="4873beb7-5857-4685-be1f-d57550cc96cc" xsi:nil="true"/>
-    <APAuthor xmlns="4873beb7-5857-4685-be1f-d57550cc96cc">
-      <UserInfo>
-        <DisplayName>REDMOND\v-anij</DisplayName>
-        <AccountId>2469</AccountId>
-        <AccountType/>
-      </UserInfo>
-    </APAuthor>
-    <LocManualTestRequired xmlns="4873beb7-5857-4685-be1f-d57550cc96cc">false</LocManualTestRequired>
-    <TPCommandLine xmlns="4873beb7-5857-4685-be1f-d57550cc96cc" xsi:nil="true"/>
-    <TPAppVersion xmlns="4873beb7-5857-4685-be1f-d57550cc96cc" xsi:nil="true"/>
-    <EditorialStatus xmlns="4873beb7-5857-4685-be1f-d57550cc96cc">Complete</EditorialStatus>
-    <LastModifiedDateTime xmlns="4873beb7-5857-4685-be1f-d57550cc96cc" xsi:nil="true"/>
-    <ScenarioTagsTaxHTField0 xmlns="4873beb7-5857-4685-be1f-d57550cc96cc">
-      <Terms xmlns="http://schemas.microsoft.com/office/infopath/2007/PartnerControls"/>
-    </ScenarioTagsTaxHTField0>
-    <OriginalRelease xmlns="4873beb7-5857-4685-be1f-d57550cc96cc">15</OriginalRelease>
-    <TPLaunchHelpLinkType xmlns="4873beb7-5857-4685-be1f-d57550cc96cc">Template</TPLaunchHelpLinkType>
-    <LocalizationTagsTaxHTField0 xmlns="4873beb7-5857-4685-be1f-d57550cc96cc">
-      <Terms xmlns="http://schemas.microsoft.com/office/infopath/2007/PartnerControls"/>
-    </LocalizationTagsTaxHTField0>
-    <LocMarketGroupTiers2 xmlns="4873beb7-5857-4685-be1f-d57550cc96cc" xsi:nil="true"/>
-  </documentManagement>
-</p:properties>
+<?mso-contentType ?>
+<FormTemplates xmlns="http://schemas.microsoft.com/sharepoint/v3/contenttype/forms">
+  <Display>DocumentLibraryForm</Display>
+  <Edit>AssetEditForm</Edit>
+  <New>DocumentLibraryForm</New>
+</FormTemplates>
 </file>
 
 <file path=customXml/item2.xml><?xml version="1.0" encoding="utf-8"?>
@@ -6621,20 +7370,135 @@
 </file>
 
 <file path=customXml/item3.xml><?xml version="1.0" encoding="utf-8"?>
-<?mso-contentType ?>
-<FormTemplates xmlns="http://schemas.microsoft.com/sharepoint/v3/contenttype/forms">
-  <Display>DocumentLibraryForm</Display>
-  <Edit>AssetEditForm</Edit>
-  <New>DocumentLibraryForm</New>
-</FormTemplates>
+<p:properties xmlns:p="http://schemas.microsoft.com/office/2006/metadata/properties" xmlns:xsi="http://www.w3.org/2001/XMLSchema-instance" xmlns:pc="http://schemas.microsoft.com/office/infopath/2007/PartnerControls">
+  <documentManagement>
+    <DirectSourceMarket xmlns="4873beb7-5857-4685-be1f-d57550cc96cc" xsi:nil="true"/>
+    <ApprovalStatus xmlns="4873beb7-5857-4685-be1f-d57550cc96cc">InProgress</ApprovalStatus>
+    <MarketSpecific xmlns="4873beb7-5857-4685-be1f-d57550cc96cc">false</MarketSpecific>
+    <LocComments xmlns="4873beb7-5857-4685-be1f-d57550cc96cc" xsi:nil="true"/>
+    <ThumbnailAssetId xmlns="4873beb7-5857-4685-be1f-d57550cc96cc" xsi:nil="true"/>
+    <PrimaryImageGen xmlns="4873beb7-5857-4685-be1f-d57550cc96cc">true</PrimaryImageGen>
+    <LegacyData xmlns="4873beb7-5857-4685-be1f-d57550cc96cc" xsi:nil="true"/>
+    <LocRecommendedHandoff xmlns="4873beb7-5857-4685-be1f-d57550cc96cc" xsi:nil="true"/>
+    <BusinessGroup xmlns="4873beb7-5857-4685-be1f-d57550cc96cc" xsi:nil="true"/>
+    <BlockPublish xmlns="4873beb7-5857-4685-be1f-d57550cc96cc">false</BlockPublish>
+    <TPFriendlyName xmlns="4873beb7-5857-4685-be1f-d57550cc96cc" xsi:nil="true"/>
+    <NumericId xmlns="4873beb7-5857-4685-be1f-d57550cc96cc" xsi:nil="true"/>
+    <APEditor xmlns="4873beb7-5857-4685-be1f-d57550cc96cc">
+      <UserInfo>
+        <DisplayName/>
+        <AccountId xsi:nil="true"/>
+        <AccountType/>
+      </UserInfo>
+    </APEditor>
+    <SourceTitle xmlns="4873beb7-5857-4685-be1f-d57550cc96cc" xsi:nil="true"/>
+    <OpenTemplate xmlns="4873beb7-5857-4685-be1f-d57550cc96cc">true</OpenTemplate>
+    <UALocComments xmlns="4873beb7-5857-4685-be1f-d57550cc96cc" xsi:nil="true"/>
+    <ParentAssetId xmlns="4873beb7-5857-4685-be1f-d57550cc96cc" xsi:nil="true"/>
+    <IntlLangReviewDate xmlns="4873beb7-5857-4685-be1f-d57550cc96cc" xsi:nil="true"/>
+    <FeatureTagsTaxHTField0 xmlns="4873beb7-5857-4685-be1f-d57550cc96cc">
+      <Terms xmlns="http://schemas.microsoft.com/office/infopath/2007/PartnerControls"/>
+    </FeatureTagsTaxHTField0>
+    <PublishStatusLookup xmlns="4873beb7-5857-4685-be1f-d57550cc96cc">
+      <Value>1566889</Value>
+    </PublishStatusLookup>
+    <Providers xmlns="4873beb7-5857-4685-be1f-d57550cc96cc" xsi:nil="true"/>
+    <MachineTranslated xmlns="4873beb7-5857-4685-be1f-d57550cc96cc">false</MachineTranslated>
+    <OriginalSourceMarket xmlns="4873beb7-5857-4685-be1f-d57550cc96cc" xsi:nil="true"/>
+    <APDescription xmlns="4873beb7-5857-4685-be1f-d57550cc96cc" xsi:nil="true"/>
+    <ClipArtFilename xmlns="4873beb7-5857-4685-be1f-d57550cc96cc" xsi:nil="true"/>
+    <ContentItem xmlns="4873beb7-5857-4685-be1f-d57550cc96cc" xsi:nil="true"/>
+    <TPInstallLocation xmlns="4873beb7-5857-4685-be1f-d57550cc96cc" xsi:nil="true"/>
+    <PublishTargets xmlns="4873beb7-5857-4685-be1f-d57550cc96cc">OfficeOnlineVNext</PublishTargets>
+    <TimesCloned xmlns="4873beb7-5857-4685-be1f-d57550cc96cc" xsi:nil="true"/>
+    <AssetStart xmlns="4873beb7-5857-4685-be1f-d57550cc96cc">2012-05-23T08:44:00+00:00</AssetStart>
+    <Provider xmlns="4873beb7-5857-4685-be1f-d57550cc96cc" xsi:nil="true"/>
+    <AcquiredFrom xmlns="4873beb7-5857-4685-be1f-d57550cc96cc">Internal MS</AcquiredFrom>
+    <FriendlyTitle xmlns="4873beb7-5857-4685-be1f-d57550cc96cc" xsi:nil="true"/>
+    <LastHandOff xmlns="4873beb7-5857-4685-be1f-d57550cc96cc" xsi:nil="true"/>
+    <TPClientViewer xmlns="4873beb7-5857-4685-be1f-d57550cc96cc" xsi:nil="true"/>
+    <UACurrentWords xmlns="4873beb7-5857-4685-be1f-d57550cc96cc" xsi:nil="true"/>
+    <ArtSampleDocs xmlns="4873beb7-5857-4685-be1f-d57550cc96cc" xsi:nil="true"/>
+    <UALocRecommendation xmlns="4873beb7-5857-4685-be1f-d57550cc96cc">Localize</UALocRecommendation>
+    <Manager xmlns="4873beb7-5857-4685-be1f-d57550cc96cc" xsi:nil="true"/>
+    <ShowIn xmlns="4873beb7-5857-4685-be1f-d57550cc96cc">Show everywhere</ShowIn>
+    <UANotes xmlns="4873beb7-5857-4685-be1f-d57550cc96cc" xsi:nil="true"/>
+    <TemplateStatus xmlns="4873beb7-5857-4685-be1f-d57550cc96cc">Complete</TemplateStatus>
+    <InternalTagsTaxHTField0 xmlns="4873beb7-5857-4685-be1f-d57550cc96cc">
+      <Terms xmlns="http://schemas.microsoft.com/office/infopath/2007/PartnerControls"/>
+    </InternalTagsTaxHTField0>
+    <CSXHash xmlns="4873beb7-5857-4685-be1f-d57550cc96cc" xsi:nil="true"/>
+    <Downloads xmlns="4873beb7-5857-4685-be1f-d57550cc96cc">0</Downloads>
+    <VoteCount xmlns="4873beb7-5857-4685-be1f-d57550cc96cc" xsi:nil="true"/>
+    <OOCacheId xmlns="4873beb7-5857-4685-be1f-d57550cc96cc" xsi:nil="true"/>
+    <IsDeleted xmlns="4873beb7-5857-4685-be1f-d57550cc96cc">false</IsDeleted>
+    <AssetExpire xmlns="4873beb7-5857-4685-be1f-d57550cc96cc">2029-01-01T08:00:00+00:00</AssetExpire>
+    <DSATActionTaken xmlns="4873beb7-5857-4685-be1f-d57550cc96cc" xsi:nil="true"/>
+    <CSXSubmissionMarket xmlns="4873beb7-5857-4685-be1f-d57550cc96cc" xsi:nil="true"/>
+    <TPExecutable xmlns="4873beb7-5857-4685-be1f-d57550cc96cc" xsi:nil="true"/>
+    <SubmitterId xmlns="4873beb7-5857-4685-be1f-d57550cc96cc" xsi:nil="true"/>
+    <EditorialTags xmlns="4873beb7-5857-4685-be1f-d57550cc96cc" xsi:nil="true"/>
+    <ApprovalLog xmlns="4873beb7-5857-4685-be1f-d57550cc96cc" xsi:nil="true"/>
+    <AssetType xmlns="4873beb7-5857-4685-be1f-d57550cc96cc">TP</AssetType>
+    <BugNumber xmlns="4873beb7-5857-4685-be1f-d57550cc96cc" xsi:nil="true"/>
+    <CSXSubmissionDate xmlns="4873beb7-5857-4685-be1f-d57550cc96cc" xsi:nil="true"/>
+    <CSXUpdate xmlns="4873beb7-5857-4685-be1f-d57550cc96cc">false</CSXUpdate>
+    <Milestone xmlns="4873beb7-5857-4685-be1f-d57550cc96cc" xsi:nil="true"/>
+    <RecommendationsModifier xmlns="4873beb7-5857-4685-be1f-d57550cc96cc" xsi:nil="true"/>
+    <OriginAsset xmlns="4873beb7-5857-4685-be1f-d57550cc96cc" xsi:nil="true"/>
+    <TPComponent xmlns="4873beb7-5857-4685-be1f-d57550cc96cc" xsi:nil="true"/>
+    <AssetId xmlns="4873beb7-5857-4685-be1f-d57550cc96cc">TP102901017</AssetId>
+    <IntlLocPriority xmlns="4873beb7-5857-4685-be1f-d57550cc96cc" xsi:nil="true"/>
+    <PolicheckWords xmlns="4873beb7-5857-4685-be1f-d57550cc96cc" xsi:nil="true"/>
+    <TPLaunchHelpLink xmlns="4873beb7-5857-4685-be1f-d57550cc96cc" xsi:nil="true"/>
+    <TPApplication xmlns="4873beb7-5857-4685-be1f-d57550cc96cc" xsi:nil="true"/>
+    <CrawlForDependencies xmlns="4873beb7-5857-4685-be1f-d57550cc96cc">false</CrawlForDependencies>
+    <HandoffToMSDN xmlns="4873beb7-5857-4685-be1f-d57550cc96cc" xsi:nil="true"/>
+    <PlannedPubDate xmlns="4873beb7-5857-4685-be1f-d57550cc96cc" xsi:nil="true"/>
+    <IntlLangReviewer xmlns="4873beb7-5857-4685-be1f-d57550cc96cc" xsi:nil="true"/>
+    <TrustLevel xmlns="4873beb7-5857-4685-be1f-d57550cc96cc">1 Microsoft Managed Content</TrustLevel>
+    <LocLastLocAttemptVersionLookup xmlns="4873beb7-5857-4685-be1f-d57550cc96cc">836753</LocLastLocAttemptVersionLookup>
+    <IsSearchable xmlns="4873beb7-5857-4685-be1f-d57550cc96cc">true</IsSearchable>
+    <TemplateTemplateType xmlns="4873beb7-5857-4685-be1f-d57550cc96cc">PowerPoint Design Template</TemplateTemplateType>
+    <CampaignTagsTaxHTField0 xmlns="4873beb7-5857-4685-be1f-d57550cc96cc">
+      <Terms xmlns="http://schemas.microsoft.com/office/infopath/2007/PartnerControls"/>
+    </CampaignTagsTaxHTField0>
+    <TPNamespace xmlns="4873beb7-5857-4685-be1f-d57550cc96cc" xsi:nil="true"/>
+    <TaxCatchAll xmlns="4873beb7-5857-4685-be1f-d57550cc96cc"/>
+    <Markets xmlns="4873beb7-5857-4685-be1f-d57550cc96cc"/>
+    <UAProjectedTotalWords xmlns="4873beb7-5857-4685-be1f-d57550cc96cc" xsi:nil="true"/>
+    <IntlLangReview xmlns="4873beb7-5857-4685-be1f-d57550cc96cc">false</IntlLangReview>
+    <OutputCachingOn xmlns="4873beb7-5857-4685-be1f-d57550cc96cc">false</OutputCachingOn>
+    <AverageRating xmlns="4873beb7-5857-4685-be1f-d57550cc96cc" xsi:nil="true"/>
+    <APAuthor xmlns="4873beb7-5857-4685-be1f-d57550cc96cc">
+      <UserInfo>
+        <DisplayName>REDMOND\v-anij</DisplayName>
+        <AccountId>2469</AccountId>
+        <AccountType/>
+      </UserInfo>
+    </APAuthor>
+    <LocManualTestRequired xmlns="4873beb7-5857-4685-be1f-d57550cc96cc">false</LocManualTestRequired>
+    <TPCommandLine xmlns="4873beb7-5857-4685-be1f-d57550cc96cc" xsi:nil="true"/>
+    <TPAppVersion xmlns="4873beb7-5857-4685-be1f-d57550cc96cc" xsi:nil="true"/>
+    <EditorialStatus xmlns="4873beb7-5857-4685-be1f-d57550cc96cc">Complete</EditorialStatus>
+    <LastModifiedDateTime xmlns="4873beb7-5857-4685-be1f-d57550cc96cc" xsi:nil="true"/>
+    <ScenarioTagsTaxHTField0 xmlns="4873beb7-5857-4685-be1f-d57550cc96cc">
+      <Terms xmlns="http://schemas.microsoft.com/office/infopath/2007/PartnerControls"/>
+    </ScenarioTagsTaxHTField0>
+    <OriginalRelease xmlns="4873beb7-5857-4685-be1f-d57550cc96cc">15</OriginalRelease>
+    <TPLaunchHelpLinkType xmlns="4873beb7-5857-4685-be1f-d57550cc96cc">Template</TPLaunchHelpLinkType>
+    <LocalizationTagsTaxHTField0 xmlns="4873beb7-5857-4685-be1f-d57550cc96cc">
+      <Terms xmlns="http://schemas.microsoft.com/office/infopath/2007/PartnerControls"/>
+    </LocalizationTagsTaxHTField0>
+    <LocMarketGroupTiers2 xmlns="4873beb7-5857-4685-be1f-d57550cc96cc" xsi:nil="true"/>
+  </documentManagement>
+</p:properties>
 </file>
 
 <file path=customXml/itemProps1.xml><?xml version="1.0" encoding="utf-8"?>
-<ds:datastoreItem xmlns:ds="http://schemas.openxmlformats.org/officeDocument/2006/customXml" ds:itemID="{04098515-0C12-46CF-BC7C-69B4A13CD5FA}">
+<ds:datastoreItem xmlns:ds="http://schemas.openxmlformats.org/officeDocument/2006/customXml" ds:itemID="{746CFF6F-D9AA-4BC0-911A-0A1356771912}">
   <ds:schemaRefs>
-    <ds:schemaRef ds:uri="http://schemas.microsoft.com/office/2006/metadata/properties"/>
-    <ds:schemaRef ds:uri="http://schemas.microsoft.com/office/infopath/2007/PartnerControls"/>
-    <ds:schemaRef ds:uri="4873beb7-5857-4685-be1f-d57550cc96cc"/>
+    <ds:schemaRef ds:uri="http://schemas.microsoft.com/sharepoint/v3/contenttype/forms"/>
   </ds:schemaRefs>
 </ds:datastoreItem>
 </file>
@@ -6658,9 +7522,11 @@
 </file>
 
 <file path=customXml/itemProps3.xml><?xml version="1.0" encoding="utf-8"?>
-<ds:datastoreItem xmlns:ds="http://schemas.openxmlformats.org/officeDocument/2006/customXml" ds:itemID="{746CFF6F-D9AA-4BC0-911A-0A1356771912}">
+<ds:datastoreItem xmlns:ds="http://schemas.openxmlformats.org/officeDocument/2006/customXml" ds:itemID="{04098515-0C12-46CF-BC7C-69B4A13CD5FA}">
   <ds:schemaRefs>
-    <ds:schemaRef ds:uri="http://schemas.microsoft.com/sharepoint/v3/contenttype/forms"/>
+    <ds:schemaRef ds:uri="http://schemas.microsoft.com/office/2006/metadata/properties"/>
+    <ds:schemaRef ds:uri="http://schemas.microsoft.com/office/infopath/2007/PartnerControls"/>
+    <ds:schemaRef ds:uri="4873beb7-5857-4685-be1f-d57550cc96cc"/>
   </ds:schemaRefs>
 </ds:datastoreItem>
 </file>